--- a/R GUI building .pptx
+++ b/R GUI building .pptx
@@ -5,15 +5,16 @@
     <p:sldMasterId id="2147483648" r:id="rId1"/>
   </p:sldMasterIdLst>
   <p:notesMasterIdLst>
-    <p:notesMasterId r:id="rId8"/>
+    <p:notesMasterId r:id="rId9"/>
   </p:notesMasterIdLst>
   <p:sldIdLst>
     <p:sldId id="256" r:id="rId2"/>
     <p:sldId id="257" r:id="rId3"/>
     <p:sldId id="259" r:id="rId4"/>
     <p:sldId id="260" r:id="rId5"/>
-    <p:sldId id="262" r:id="rId6"/>
-    <p:sldId id="261" r:id="rId7"/>
+    <p:sldId id="263" r:id="rId6"/>
+    <p:sldId id="264" r:id="rId7"/>
+    <p:sldId id="266" r:id="rId8"/>
   </p:sldIdLst>
   <p:sldSz cx="9144000" cy="6858000" type="screen4x3"/>
   <p:notesSz cx="6858000" cy="9144000"/>
@@ -197,7 +198,7 @@
           <a:p>
             <a:fld id="{CAD520FA-5E10-4676-B445-F73293872EE0}" type="datetimeFigureOut">
               <a:rPr lang="en-US" smtClean="0"/>
-              <a:t>10/7/2014</a:t>
+              <a:t>10/8/2014</a:t>
             </a:fld>
             <a:endParaRPr lang="en-US"/>
           </a:p>
@@ -510,6 +511,442 @@
           <a:lstStyle/>
           <a:p>
             <a:r>
+              <a:rPr lang="en-US" dirty="0" smtClean="0"/>
+              <a:t>The </a:t>
+            </a:r>
+            <a:r>
+              <a:rPr lang="en-US" dirty="0" err="1" smtClean="0"/>
+              <a:t>gWidgets</a:t>
+            </a:r>
+            <a:r>
+              <a:rPr lang="en-US" dirty="0" smtClean="0"/>
+              <a:t> package provides a convenient means to create rapidly small</a:t>
+            </a:r>
+            <a:r>
+              <a:rPr lang="en-US" baseline="0" dirty="0" smtClean="0"/>
+              <a:t> </a:t>
+            </a:r>
+            <a:r>
+              <a:rPr lang="en-US" dirty="0" smtClean="0"/>
+              <a:t>to medium-size GUIs within R. Unlike the underlying toolkits, </a:t>
+            </a:r>
+            <a:r>
+              <a:rPr lang="en-US" dirty="0" err="1" smtClean="0"/>
+              <a:t>gWidgets</a:t>
+            </a:r>
+            <a:r>
+              <a:rPr lang="en-US" dirty="0" smtClean="0"/>
+              <a:t> has relatively few</a:t>
+            </a:r>
+            <a:r>
+              <a:rPr lang="en-US" baseline="0" dirty="0" smtClean="0"/>
+              <a:t> </a:t>
+            </a:r>
+            <a:r>
+              <a:rPr lang="en-US" dirty="0" smtClean="0"/>
+              <a:t>constructors and methods,</a:t>
+            </a:r>
+            <a:r>
+              <a:rPr lang="en-US" baseline="0" dirty="0" smtClean="0"/>
+              <a:t> which mean it is relatively easy to learn, allowing for rapid prototyping. (but as project progress, one might need to move to a more powerful underlying toolkit). The </a:t>
+            </a:r>
+            <a:r>
+              <a:rPr lang="en-US" baseline="0" dirty="0" err="1" smtClean="0"/>
+              <a:t>gWidgets</a:t>
+            </a:r>
+            <a:r>
+              <a:rPr lang="en-US" baseline="0" dirty="0" smtClean="0"/>
+              <a:t> package works with different operating systems and different GUI toolkits. This shows, the same code using the RGtk2, </a:t>
+            </a:r>
+            <a:r>
+              <a:rPr lang="en-US" baseline="0" dirty="0" err="1" smtClean="0"/>
+              <a:t>tcltk</a:t>
+            </a:r>
+            <a:r>
+              <a:rPr lang="en-US" baseline="0" dirty="0" smtClean="0"/>
+              <a:t>, </a:t>
+            </a:r>
+            <a:r>
+              <a:rPr lang="en-US" baseline="0" dirty="0" err="1" smtClean="0"/>
+              <a:t>qtbase</a:t>
+            </a:r>
+            <a:r>
+              <a:rPr lang="en-US" baseline="0" dirty="0" smtClean="0"/>
+              <a:t> packages for a toolkit.</a:t>
+            </a:r>
+          </a:p>
+          <a:p>
+            <a:endParaRPr lang="en-US" baseline="0" dirty="0" smtClean="0"/>
+          </a:p>
+          <a:p>
+            <a:r>
+              <a:rPr lang="en-US" dirty="0" smtClean="0"/>
+              <a:t>Despite </a:t>
+            </a:r>
+            <a:r>
+              <a:rPr lang="en-US" dirty="0" err="1" smtClean="0"/>
+              <a:t>Tk’s</a:t>
+            </a:r>
+            <a:r>
+              <a:rPr lang="en-US" dirty="0" smtClean="0"/>
+              <a:t> limitations as a graphical toolkit as compared to GTK+</a:t>
+            </a:r>
+            <a:r>
+              <a:rPr lang="en-US" baseline="0" dirty="0" smtClean="0"/>
+              <a:t> </a:t>
+            </a:r>
+            <a:r>
+              <a:rPr lang="en-US" dirty="0" smtClean="0"/>
+              <a:t>or </a:t>
+            </a:r>
+            <a:r>
+              <a:rPr lang="en-US" dirty="0" err="1" smtClean="0"/>
+              <a:t>Qt</a:t>
+            </a:r>
+            <a:r>
+              <a:rPr lang="en-US" dirty="0" smtClean="0"/>
+              <a:t>, the </a:t>
+            </a:r>
+            <a:r>
+              <a:rPr lang="en-US" dirty="0" err="1" smtClean="0"/>
+              <a:t>Tk</a:t>
+            </a:r>
+            <a:r>
+              <a:rPr lang="en-US" dirty="0" smtClean="0"/>
+              <a:t> libraries are widely used for R GUIs.</a:t>
+            </a:r>
+            <a:endParaRPr lang="en-US" dirty="0"/>
+          </a:p>
+        </p:txBody>
+      </p:sp>
+      <p:sp>
+        <p:nvSpPr>
+          <p:cNvPr id="4" name="Slide Number Placeholder 3"/>
+          <p:cNvSpPr>
+            <a:spLocks noGrp="1"/>
+          </p:cNvSpPr>
+          <p:nvPr>
+            <p:ph type="sldNum" sz="quarter" idx="10"/>
+          </p:nvPr>
+        </p:nvSpPr>
+        <p:spPr/>
+        <p:txBody>
+          <a:bodyPr/>
+          <a:lstStyle/>
+          <a:p>
+            <a:fld id="{5BE9B818-C9FD-4006-B50B-90DC08C31B92}" type="slidenum">
+              <a:rPr lang="en-US" smtClean="0"/>
+              <a:t>2</a:t>
+            </a:fld>
+            <a:endParaRPr lang="en-US"/>
+          </a:p>
+        </p:txBody>
+      </p:sp>
+    </p:spTree>
+    <p:extLst>
+      <p:ext uri="{BB962C8B-B14F-4D97-AF65-F5344CB8AC3E}">
+        <p14:creationId xmlns:p14="http://schemas.microsoft.com/office/powerpoint/2010/main" val="4025203384"/>
+      </p:ext>
+    </p:extLst>
+  </p:cSld>
+  <p:clrMapOvr>
+    <a:masterClrMapping/>
+  </p:clrMapOvr>
+</p:notes>
+</file>
+
+<file path=ppt/notesSlides/notesSlide2.xml><?xml version="1.0" encoding="utf-8"?>
+<p:notes xmlns:a="http://schemas.openxmlformats.org/drawingml/2006/main" xmlns:r="http://schemas.openxmlformats.org/officeDocument/2006/relationships" xmlns:p="http://schemas.openxmlformats.org/presentationml/2006/main">
+  <p:cSld>
+    <p:spTree>
+      <p:nvGrpSpPr>
+        <p:cNvPr id="1" name=""/>
+        <p:cNvGrpSpPr/>
+        <p:nvPr/>
+      </p:nvGrpSpPr>
+      <p:grpSpPr>
+        <a:xfrm>
+          <a:off x="0" y="0"/>
+          <a:ext cx="0" cy="0"/>
+          <a:chOff x="0" y="0"/>
+          <a:chExt cx="0" cy="0"/>
+        </a:xfrm>
+      </p:grpSpPr>
+      <p:sp>
+        <p:nvSpPr>
+          <p:cNvPr id="2" name="Slide Image Placeholder 1"/>
+          <p:cNvSpPr>
+            <a:spLocks noGrp="1" noRot="1" noChangeAspect="1"/>
+          </p:cNvSpPr>
+          <p:nvPr>
+            <p:ph type="sldImg"/>
+          </p:nvPr>
+        </p:nvSpPr>
+        <p:spPr/>
+      </p:sp>
+      <p:sp>
+        <p:nvSpPr>
+          <p:cNvPr id="3" name="Notes Placeholder 2"/>
+          <p:cNvSpPr>
+            <a:spLocks noGrp="1"/>
+          </p:cNvSpPr>
+          <p:nvPr>
+            <p:ph type="body" idx="1"/>
+          </p:nvPr>
+        </p:nvSpPr>
+        <p:spPr/>
+        <p:txBody>
+          <a:bodyPr/>
+          <a:lstStyle/>
+          <a:p>
+            <a:r>
+              <a:rPr lang="en-US" dirty="0" smtClean="0"/>
+              <a:t>it made programming GUIs for X11</a:t>
+            </a:r>
+            <a:r>
+              <a:rPr lang="en-US" baseline="0" dirty="0" smtClean="0"/>
+              <a:t> </a:t>
+            </a:r>
+            <a:r>
+              <a:rPr lang="en-US" dirty="0" smtClean="0"/>
+              <a:t>easier and faster. There are a large number of language bindings available for </a:t>
+            </a:r>
+            <a:r>
+              <a:rPr lang="en-US" dirty="0" err="1" smtClean="0"/>
+              <a:t>Tk</a:t>
+            </a:r>
+            <a:r>
+              <a:rPr lang="en-US" dirty="0" smtClean="0"/>
+              <a:t>, including Perl, Python, Ruby, and, through the </a:t>
+            </a:r>
+            <a:r>
+              <a:rPr lang="en-US" dirty="0" err="1" smtClean="0"/>
+              <a:t>tcltk</a:t>
+            </a:r>
+            <a:r>
+              <a:rPr lang="en-US" dirty="0" smtClean="0"/>
+              <a:t> package, R. The </a:t>
+            </a:r>
+            <a:r>
+              <a:rPr lang="en-US" dirty="0" err="1" smtClean="0"/>
+              <a:t>tcltk</a:t>
+            </a:r>
+            <a:r>
+              <a:rPr lang="en-US" baseline="0" dirty="0" smtClean="0"/>
+              <a:t> </a:t>
+            </a:r>
+            <a:r>
+              <a:rPr lang="en-US" dirty="0" smtClean="0"/>
+              <a:t>package was developed by </a:t>
+            </a:r>
+            <a:r>
+              <a:rPr lang="en-US" b="1" dirty="0" smtClean="0"/>
+              <a:t>Peter </a:t>
+            </a:r>
+            <a:r>
+              <a:rPr lang="en-US" b="1" dirty="0" err="1" smtClean="0"/>
+              <a:t>Dalgaard</a:t>
+            </a:r>
+            <a:r>
+              <a:rPr lang="en-US" b="1" dirty="0" smtClean="0"/>
+              <a:t> </a:t>
+            </a:r>
+            <a:r>
+              <a:rPr lang="en-US" dirty="0" smtClean="0"/>
+              <a:t>and has been included with</a:t>
+            </a:r>
+            <a:r>
+              <a:rPr lang="en-US" baseline="0" dirty="0" smtClean="0"/>
+              <a:t> </a:t>
+            </a:r>
+            <a:r>
+              <a:rPr lang="en-US" dirty="0" smtClean="0"/>
+              <a:t>base R since version 1.1.0. The tcltk2</a:t>
+            </a:r>
+          </a:p>
+          <a:p>
+            <a:r>
+              <a:rPr lang="en-US" dirty="0" smtClean="0"/>
+              <a:t>package provides additional bindings and bundles in some useful external</a:t>
+            </a:r>
+            <a:r>
+              <a:rPr lang="en-US" baseline="0" dirty="0" smtClean="0"/>
+              <a:t> </a:t>
+            </a:r>
+            <a:r>
+              <a:rPr lang="en-US" dirty="0" smtClean="0"/>
+              <a:t>TCL code. Our focus here is limited to the base </a:t>
+            </a:r>
+            <a:r>
+              <a:rPr lang="en-US" dirty="0" err="1" smtClean="0"/>
+              <a:t>tcltk</a:t>
+            </a:r>
+            <a:r>
+              <a:rPr lang="en-US" dirty="0" smtClean="0"/>
+              <a:t> package.</a:t>
+            </a:r>
+          </a:p>
+          <a:p>
+            <a:endParaRPr lang="en-US" dirty="0" smtClean="0"/>
+          </a:p>
+          <a:p>
+            <a:endParaRPr lang="en-US" dirty="0" smtClean="0"/>
+          </a:p>
+          <a:p>
+            <a:r>
+              <a:rPr lang="en-US" dirty="0" smtClean="0"/>
+              <a:t>R for Windows has</a:t>
+            </a:r>
+            <a:r>
+              <a:rPr lang="en-US" baseline="0" dirty="0" smtClean="0"/>
+              <a:t> </a:t>
+            </a:r>
+            <a:r>
+              <a:rPr lang="en-US" dirty="0" smtClean="0"/>
+              <a:t>been bundled with the necessary </a:t>
+            </a:r>
+            <a:r>
+              <a:rPr lang="en-US" dirty="0" err="1" smtClean="0"/>
+              <a:t>Tk</a:t>
+            </a:r>
+            <a:r>
+              <a:rPr lang="en-US" dirty="0" smtClean="0"/>
+              <a:t> version for years, so there are no</a:t>
+            </a:r>
+            <a:r>
+              <a:rPr lang="en-US" baseline="0" dirty="0" smtClean="0"/>
+              <a:t> </a:t>
+            </a:r>
+            <a:r>
+              <a:rPr lang="en-US" dirty="0" smtClean="0"/>
+              <a:t>installation issues for that platform. For Linux users, it is typically trivial</a:t>
+            </a:r>
+            <a:r>
+              <a:rPr lang="en-US" baseline="0" dirty="0" smtClean="0"/>
+              <a:t> </a:t>
+            </a:r>
+            <a:r>
+              <a:rPr lang="en-US" dirty="0" smtClean="0"/>
+              <a:t>to install the newer libraries, and for Mac OS X users, the provided binary</a:t>
+            </a:r>
+            <a:r>
+              <a:rPr lang="en-US" baseline="0" dirty="0" smtClean="0"/>
+              <a:t> </a:t>
+            </a:r>
+            <a:r>
+              <a:rPr lang="en-US" dirty="0" smtClean="0"/>
+              <a:t>installations include the newer </a:t>
+            </a:r>
+            <a:r>
+              <a:rPr lang="en-US" dirty="0" err="1" smtClean="0"/>
+              <a:t>Tk</a:t>
+            </a:r>
+            <a:r>
+              <a:rPr lang="en-US" dirty="0" smtClean="0"/>
+              <a:t> libraries.</a:t>
+            </a:r>
+            <a:endParaRPr lang="en-US" dirty="0"/>
+          </a:p>
+        </p:txBody>
+      </p:sp>
+      <p:sp>
+        <p:nvSpPr>
+          <p:cNvPr id="4" name="Slide Number Placeholder 3"/>
+          <p:cNvSpPr>
+            <a:spLocks noGrp="1"/>
+          </p:cNvSpPr>
+          <p:nvPr>
+            <p:ph type="sldNum" sz="quarter" idx="10"/>
+          </p:nvPr>
+        </p:nvSpPr>
+        <p:spPr/>
+        <p:txBody>
+          <a:bodyPr/>
+          <a:lstStyle/>
+          <a:p>
+            <a:fld id="{5BE9B818-C9FD-4006-B50B-90DC08C31B92}" type="slidenum">
+              <a:rPr lang="en-US" smtClean="0"/>
+              <a:t>3</a:t>
+            </a:fld>
+            <a:endParaRPr lang="en-US"/>
+          </a:p>
+        </p:txBody>
+      </p:sp>
+    </p:spTree>
+    <p:extLst>
+      <p:ext uri="{BB962C8B-B14F-4D97-AF65-F5344CB8AC3E}">
+        <p14:creationId xmlns:p14="http://schemas.microsoft.com/office/powerpoint/2010/main" val="1821464738"/>
+      </p:ext>
+    </p:extLst>
+  </p:cSld>
+  <p:clrMapOvr>
+    <a:masterClrMapping/>
+  </p:clrMapOvr>
+</p:notes>
+</file>
+
+<file path=ppt/notesSlides/notesSlide3.xml><?xml version="1.0" encoding="utf-8"?>
+<p:notes xmlns:a="http://schemas.openxmlformats.org/drawingml/2006/main" xmlns:r="http://schemas.openxmlformats.org/officeDocument/2006/relationships" xmlns:p="http://schemas.openxmlformats.org/presentationml/2006/main">
+  <p:cSld>
+    <p:spTree>
+      <p:nvGrpSpPr>
+        <p:cNvPr id="1" name=""/>
+        <p:cNvGrpSpPr/>
+        <p:nvPr/>
+      </p:nvGrpSpPr>
+      <p:grpSpPr>
+        <a:xfrm>
+          <a:off x="0" y="0"/>
+          <a:ext cx="0" cy="0"/>
+          <a:chOff x="0" y="0"/>
+          <a:chExt cx="0" cy="0"/>
+        </a:xfrm>
+      </p:grpSpPr>
+      <p:sp>
+        <p:nvSpPr>
+          <p:cNvPr id="2" name="Slide Image Placeholder 1"/>
+          <p:cNvSpPr>
+            <a:spLocks noGrp="1" noRot="1" noChangeAspect="1"/>
+          </p:cNvSpPr>
+          <p:nvPr>
+            <p:ph type="sldImg"/>
+          </p:nvPr>
+        </p:nvSpPr>
+        <p:spPr/>
+      </p:sp>
+      <p:sp>
+        <p:nvSpPr>
+          <p:cNvPr id="3" name="Notes Placeholder 2"/>
+          <p:cNvSpPr>
+            <a:spLocks noGrp="1"/>
+          </p:cNvSpPr>
+          <p:nvPr>
+            <p:ph type="body" idx="1"/>
+          </p:nvPr>
+        </p:nvSpPr>
+        <p:spPr/>
+        <p:txBody>
+          <a:bodyPr/>
+          <a:lstStyle/>
+          <a:p>
+            <a:pPr marL="0" marR="0" indent="0" algn="l" defTabSz="914400" rtl="0" eaLnBrk="1" fontAlgn="auto" latinLnBrk="0" hangingPunct="1">
+              <a:lnSpc>
+                <a:spcPct val="100000"/>
+              </a:lnSpc>
+              <a:spcBef>
+                <a:spcPts val="0"/>
+              </a:spcBef>
+              <a:spcAft>
+                <a:spcPts val="0"/>
+              </a:spcAft>
+              <a:buClrTx/>
+              <a:buSzTx/>
+              <a:buFontTx/>
+              <a:buNone/>
+              <a:tabLst/>
+              <a:defRPr/>
+            </a:pPr>
+            <a:r>
               <a:rPr lang="en-US" sz="1200" b="0" i="0" u="none" strike="noStrike" kern="1200" baseline="0" dirty="0" smtClean="0">
                 <a:solidFill>
                   <a:schemeClr val="tx1"/>
@@ -520,6 +957,9 @@
               </a:rPr>
               <a:t>A widget along the top or bottom is allocated a parcel just high enough to contain the widget, but occupying as much of the width of the container as possible, whereas widgets along the sides get a parcel of maximal height, but just wide enough to contain it.</a:t>
             </a:r>
+            <a:endParaRPr lang="en-US" dirty="0" smtClean="0"/>
+          </a:p>
+          <a:p>
             <a:endParaRPr lang="en-US" dirty="0"/>
           </a:p>
         </p:txBody>
@@ -541,7 +981,7 @@
           <a:p>
             <a:fld id="{5BE9B818-C9FD-4006-B50B-90DC08C31B92}" type="slidenum">
               <a:rPr lang="en-US" smtClean="0"/>
-              <a:t>5</a:t>
+              <a:t>4</a:t>
             </a:fld>
             <a:endParaRPr lang="en-US"/>
           </a:p>
@@ -550,7 +990,91 @@
     </p:spTree>
     <p:extLst>
       <p:ext uri="{BB962C8B-B14F-4D97-AF65-F5344CB8AC3E}">
-        <p14:creationId xmlns:p14="http://schemas.microsoft.com/office/powerpoint/2010/main" val="3310501584"/>
+        <p14:creationId xmlns:p14="http://schemas.microsoft.com/office/powerpoint/2010/main" val="3324389834"/>
+      </p:ext>
+    </p:extLst>
+  </p:cSld>
+  <p:clrMapOvr>
+    <a:masterClrMapping/>
+  </p:clrMapOvr>
+</p:notes>
+</file>
+
+<file path=ppt/notesSlides/notesSlide4.xml><?xml version="1.0" encoding="utf-8"?>
+<p:notes xmlns:a="http://schemas.openxmlformats.org/drawingml/2006/main" xmlns:r="http://schemas.openxmlformats.org/officeDocument/2006/relationships" xmlns:p="http://schemas.openxmlformats.org/presentationml/2006/main">
+  <p:cSld>
+    <p:spTree>
+      <p:nvGrpSpPr>
+        <p:cNvPr id="1" name=""/>
+        <p:cNvGrpSpPr/>
+        <p:nvPr/>
+      </p:nvGrpSpPr>
+      <p:grpSpPr>
+        <a:xfrm>
+          <a:off x="0" y="0"/>
+          <a:ext cx="0" cy="0"/>
+          <a:chOff x="0" y="0"/>
+          <a:chExt cx="0" cy="0"/>
+        </a:xfrm>
+      </p:grpSpPr>
+      <p:sp>
+        <p:nvSpPr>
+          <p:cNvPr id="2" name="Slide Image Placeholder 1"/>
+          <p:cNvSpPr>
+            <a:spLocks noGrp="1" noRot="1" noChangeAspect="1"/>
+          </p:cNvSpPr>
+          <p:nvPr>
+            <p:ph type="sldImg"/>
+          </p:nvPr>
+        </p:nvSpPr>
+        <p:spPr/>
+      </p:sp>
+      <p:sp>
+        <p:nvSpPr>
+          <p:cNvPr id="3" name="Notes Placeholder 2"/>
+          <p:cNvSpPr>
+            <a:spLocks noGrp="1"/>
+          </p:cNvSpPr>
+          <p:nvPr>
+            <p:ph type="body" idx="1"/>
+          </p:nvPr>
+        </p:nvSpPr>
+        <p:spPr/>
+        <p:txBody>
+          <a:bodyPr/>
+          <a:lstStyle/>
+          <a:p>
+            <a:endParaRPr lang="en-US" dirty="0"/>
+          </a:p>
+        </p:txBody>
+      </p:sp>
+      <p:sp>
+        <p:nvSpPr>
+          <p:cNvPr id="4" name="Slide Number Placeholder 3"/>
+          <p:cNvSpPr>
+            <a:spLocks noGrp="1"/>
+          </p:cNvSpPr>
+          <p:nvPr>
+            <p:ph type="sldNum" sz="quarter" idx="10"/>
+          </p:nvPr>
+        </p:nvSpPr>
+        <p:spPr/>
+        <p:txBody>
+          <a:bodyPr/>
+          <a:lstStyle/>
+          <a:p>
+            <a:fld id="{5BE9B818-C9FD-4006-B50B-90DC08C31B92}" type="slidenum">
+              <a:rPr lang="en-US" smtClean="0"/>
+              <a:t>5</a:t>
+            </a:fld>
+            <a:endParaRPr lang="en-US"/>
+          </a:p>
+        </p:txBody>
+      </p:sp>
+    </p:spTree>
+    <p:extLst>
+      <p:ext uri="{BB962C8B-B14F-4D97-AF65-F5344CB8AC3E}">
+        <p14:creationId xmlns:p14="http://schemas.microsoft.com/office/powerpoint/2010/main" val="1523007078"/>
       </p:ext>
     </p:extLst>
   </p:cSld>
@@ -742,7 +1266,7 @@
             <a:fld id="{1D8BD707-D9CF-40AE-B4C6-C98DA3205C09}" type="datetimeFigureOut">
               <a:rPr lang="en-US" smtClean="0"/>
               <a:pPr/>
-              <a:t>10/7/2014</a:t>
+              <a:t>10/8/2014</a:t>
             </a:fld>
             <a:endParaRPr lang="en-US"/>
           </a:p>
@@ -909,7 +1433,7 @@
             <a:fld id="{1D8BD707-D9CF-40AE-B4C6-C98DA3205C09}" type="datetimeFigureOut">
               <a:rPr lang="en-US" smtClean="0"/>
               <a:pPr/>
-              <a:t>10/7/2014</a:t>
+              <a:t>10/8/2014</a:t>
             </a:fld>
             <a:endParaRPr lang="en-US"/>
           </a:p>
@@ -1086,7 +1610,7 @@
             <a:fld id="{1D8BD707-D9CF-40AE-B4C6-C98DA3205C09}" type="datetimeFigureOut">
               <a:rPr lang="en-US" smtClean="0"/>
               <a:pPr/>
-              <a:t>10/7/2014</a:t>
+              <a:t>10/8/2014</a:t>
             </a:fld>
             <a:endParaRPr lang="en-US"/>
           </a:p>
@@ -1253,7 +1777,7 @@
             <a:fld id="{1D8BD707-D9CF-40AE-B4C6-C98DA3205C09}" type="datetimeFigureOut">
               <a:rPr lang="en-US" smtClean="0"/>
               <a:pPr/>
-              <a:t>10/7/2014</a:t>
+              <a:t>10/8/2014</a:t>
             </a:fld>
             <a:endParaRPr lang="en-US"/>
           </a:p>
@@ -1496,7 +2020,7 @@
             <a:fld id="{1D8BD707-D9CF-40AE-B4C6-C98DA3205C09}" type="datetimeFigureOut">
               <a:rPr lang="en-US" smtClean="0"/>
               <a:pPr/>
-              <a:t>10/7/2014</a:t>
+              <a:t>10/8/2014</a:t>
             </a:fld>
             <a:endParaRPr lang="en-US"/>
           </a:p>
@@ -1781,7 +2305,7 @@
             <a:fld id="{1D8BD707-D9CF-40AE-B4C6-C98DA3205C09}" type="datetimeFigureOut">
               <a:rPr lang="en-US" smtClean="0"/>
               <a:pPr/>
-              <a:t>10/7/2014</a:t>
+              <a:t>10/8/2014</a:t>
             </a:fld>
             <a:endParaRPr lang="en-US"/>
           </a:p>
@@ -2200,7 +2724,7 @@
             <a:fld id="{1D8BD707-D9CF-40AE-B4C6-C98DA3205C09}" type="datetimeFigureOut">
               <a:rPr lang="en-US" smtClean="0"/>
               <a:pPr/>
-              <a:t>10/7/2014</a:t>
+              <a:t>10/8/2014</a:t>
             </a:fld>
             <a:endParaRPr lang="en-US"/>
           </a:p>
@@ -2315,7 +2839,7 @@
             <a:fld id="{1D8BD707-D9CF-40AE-B4C6-C98DA3205C09}" type="datetimeFigureOut">
               <a:rPr lang="en-US" smtClean="0"/>
               <a:pPr/>
-              <a:t>10/7/2014</a:t>
+              <a:t>10/8/2014</a:t>
             </a:fld>
             <a:endParaRPr lang="en-US"/>
           </a:p>
@@ -2407,7 +2931,7 @@
             <a:fld id="{1D8BD707-D9CF-40AE-B4C6-C98DA3205C09}" type="datetimeFigureOut">
               <a:rPr lang="en-US" smtClean="0"/>
               <a:pPr/>
-              <a:t>10/7/2014</a:t>
+              <a:t>10/8/2014</a:t>
             </a:fld>
             <a:endParaRPr lang="en-US"/>
           </a:p>
@@ -2681,7 +3205,7 @@
             <a:fld id="{1D8BD707-D9CF-40AE-B4C6-C98DA3205C09}" type="datetimeFigureOut">
               <a:rPr lang="en-US" smtClean="0"/>
               <a:pPr/>
-              <a:t>10/7/2014</a:t>
+              <a:t>10/8/2014</a:t>
             </a:fld>
             <a:endParaRPr lang="en-US"/>
           </a:p>
@@ -2931,7 +3455,7 @@
             <a:fld id="{1D8BD707-D9CF-40AE-B4C6-C98DA3205C09}" type="datetimeFigureOut">
               <a:rPr lang="en-US" smtClean="0"/>
               <a:pPr/>
-              <a:t>10/7/2014</a:t>
+              <a:t>10/8/2014</a:t>
             </a:fld>
             <a:endParaRPr lang="en-US"/>
           </a:p>
@@ -3141,7 +3665,7 @@
             <a:fld id="{1D8BD707-D9CF-40AE-B4C6-C98DA3205C09}" type="datetimeFigureOut">
               <a:rPr lang="en-US" smtClean="0"/>
               <a:pPr/>
-              <a:t>10/7/2014</a:t>
+              <a:t>10/8/2014</a:t>
             </a:fld>
             <a:endParaRPr lang="en-US"/>
           </a:p>
@@ -3613,7 +4137,7 @@
         <p:spPr>
           <a:xfrm>
             <a:off x="533400" y="1371600"/>
-            <a:ext cx="7620000" cy="2031325"/>
+            <a:ext cx="7620000" cy="2985433"/>
           </a:xfrm>
           <a:prstGeom prst="rect">
             <a:avLst/>
@@ -3627,35 +4151,35 @@
           <a:lstStyle/>
           <a:p>
             <a:r>
-              <a:rPr lang="en-US" dirty="0"/>
+              <a:rPr lang="en-US" sz="2000" dirty="0"/>
               <a:t>GUIs are used to allow the user to easily accomplish the tasks </a:t>
             </a:r>
             <a:r>
-              <a:rPr lang="en-US" dirty="0" smtClean="0"/>
+              <a:rPr lang="en-US" sz="2000" dirty="0" smtClean="0"/>
               <a:t>in hand</a:t>
             </a:r>
             <a:r>
-              <a:rPr lang="en-US" dirty="0"/>
+              <a:rPr lang="en-US" sz="2000" dirty="0"/>
               <a:t>.</a:t>
             </a:r>
           </a:p>
           <a:p>
-            <a:endParaRPr lang="en-US" dirty="0"/>
-          </a:p>
-          <a:p>
-            <a:r>
-              <a:rPr lang="en-US" dirty="0" smtClean="0"/>
+            <a:endParaRPr lang="en-US" sz="2800" dirty="0"/>
+          </a:p>
+          <a:p>
+            <a:r>
+              <a:rPr lang="en-US" sz="2800" dirty="0" smtClean="0"/>
               <a:t>Many </a:t>
             </a:r>
             <a:r>
-              <a:rPr lang="en-US" dirty="0"/>
+              <a:rPr lang="en-US" sz="2800" dirty="0"/>
               <a:t>more R GUIs are now available</a:t>
             </a:r>
             <a:r>
-              <a:rPr lang="en-US" dirty="0" smtClean="0"/>
+              <a:rPr lang="en-US" sz="2800" dirty="0" smtClean="0"/>
               <a:t>:</a:t>
             </a:r>
-            <a:endParaRPr lang="en-US" dirty="0"/>
+            <a:endParaRPr lang="en-US" sz="2800" dirty="0"/>
           </a:p>
           <a:p>
             <a:pPr marL="342900" indent="-342900">
@@ -3663,31 +4187,31 @@
               <a:buAutoNum type="arabicPeriod"/>
             </a:pPr>
             <a:r>
-              <a:rPr lang="en-US" dirty="0"/>
+              <a:rPr lang="en-US" sz="2800" dirty="0"/>
               <a:t>- </a:t>
             </a:r>
             <a:r>
-              <a:rPr lang="en-US" dirty="0" err="1"/>
+              <a:rPr lang="en-US" sz="2800" dirty="0" err="1"/>
               <a:t>Tcl</a:t>
             </a:r>
             <a:r>
-              <a:rPr lang="en-US" dirty="0"/>
+              <a:rPr lang="en-US" sz="2800" dirty="0"/>
               <a:t>/</a:t>
             </a:r>
             <a:r>
-              <a:rPr lang="en-US" dirty="0" err="1"/>
+              <a:rPr lang="en-US" sz="2800" dirty="0" err="1"/>
               <a:t>Tk</a:t>
             </a:r>
             <a:r>
-              <a:rPr lang="en-US" dirty="0"/>
+              <a:rPr lang="en-US" sz="2800" dirty="0"/>
               <a:t>, </a:t>
             </a:r>
             <a:r>
-              <a:rPr lang="en-US" dirty="0" err="1"/>
+              <a:rPr lang="en-US" sz="2800" dirty="0" err="1"/>
               <a:t>rpanel</a:t>
             </a:r>
             <a:r>
-              <a:rPr lang="en-US" dirty="0"/>
+              <a:rPr lang="en-US" sz="2800" dirty="0"/>
               <a:t>.</a:t>
             </a:r>
           </a:p>
@@ -3697,23 +4221,23 @@
               <a:buAutoNum type="arabicPeriod"/>
             </a:pPr>
             <a:r>
-              <a:rPr lang="en-US" dirty="0"/>
+              <a:rPr lang="en-US" sz="2800" dirty="0"/>
               <a:t>- </a:t>
             </a:r>
             <a:r>
-              <a:rPr lang="en-US" dirty="0" err="1"/>
+              <a:rPr lang="en-US" sz="2800" dirty="0" err="1"/>
               <a:t>Gtk</a:t>
             </a:r>
             <a:r>
-              <a:rPr lang="en-US" dirty="0"/>
+              <a:rPr lang="en-US" sz="2800" dirty="0"/>
               <a:t>, </a:t>
             </a:r>
             <a:r>
-              <a:rPr lang="en-US" dirty="0" err="1"/>
+              <a:rPr lang="en-US" sz="2800" dirty="0" err="1"/>
               <a:t>Gwidgets</a:t>
             </a:r>
             <a:r>
-              <a:rPr lang="en-US" dirty="0"/>
+              <a:rPr lang="en-US" sz="2800" dirty="0"/>
               <a:t>, PMG (Poor Man’s GUI).</a:t>
             </a:r>
           </a:p>
@@ -3723,15 +4247,15 @@
               <a:buAutoNum type="arabicPeriod"/>
             </a:pPr>
             <a:r>
-              <a:rPr lang="en-US" dirty="0"/>
+              <a:rPr lang="en-US" sz="2800" dirty="0"/>
               <a:t>- Java based GUIs: </a:t>
             </a:r>
             <a:r>
-              <a:rPr lang="en-US" dirty="0" err="1"/>
+              <a:rPr lang="en-US" sz="2800" dirty="0" err="1"/>
               <a:t>rJava</a:t>
             </a:r>
             <a:r>
-              <a:rPr lang="en-US" dirty="0"/>
+              <a:rPr lang="en-US" sz="2800" dirty="0"/>
               <a:t>, JGR</a:t>
             </a:r>
           </a:p>
@@ -3741,18 +4265,17 @@
               <a:buAutoNum type="arabicPeriod"/>
             </a:pPr>
             <a:r>
-              <a:rPr lang="en-US" dirty="0"/>
+              <a:rPr lang="en-US" sz="2800" dirty="0"/>
               <a:t>- Web based: </a:t>
             </a:r>
             <a:r>
-              <a:rPr lang="en-US" dirty="0" err="1"/>
+              <a:rPr lang="en-US" sz="2800" dirty="0" err="1"/>
               <a:t>Rpad,Rwui</a:t>
             </a:r>
             <a:r>
-              <a:rPr lang="en-US" dirty="0"/>
+              <a:rPr lang="en-US" sz="2800" dirty="0"/>
               <a:t>.</a:t>
             </a:r>
-            <a:endParaRPr lang="en-US" dirty="0"/>
           </a:p>
         </p:txBody>
       </p:sp>
@@ -3833,15 +4356,23 @@
           </a:p>
           <a:p>
             <a:r>
-              <a:rPr lang="en-US" dirty="0">
+              <a:rPr lang="en-US" dirty="0" err="1" smtClean="0"/>
+              <a:t>Tcl</a:t>
+            </a:r>
+            <a:r>
+              <a:rPr lang="en-US" dirty="0" smtClean="0"/>
+              <a:t>:</a:t>
+            </a:r>
+            <a:r>
+              <a:rPr lang="en-US" dirty="0" smtClean="0">
                 <a:solidFill>
                   <a:srgbClr val="FF0000"/>
                 </a:solidFill>
               </a:rPr>
-              <a:t>T</a:t>
-            </a:r>
-            <a:r>
-              <a:rPr lang="en-US" dirty="0"/>
+              <a:t> T</a:t>
+            </a:r>
+            <a:r>
+              <a:rPr lang="en-US" dirty="0" smtClean="0"/>
               <a:t>ool </a:t>
             </a:r>
             <a:r>
@@ -3868,46 +4399,68 @@
               <a:rPr lang="en-US" dirty="0"/>
               <a:t>anguage </a:t>
             </a:r>
+            <a:r>
+              <a:rPr lang="en-US" dirty="0"/>
+              <a:t> - in the late 1980s by John </a:t>
+            </a:r>
+            <a:r>
+              <a:rPr lang="en-US" dirty="0" err="1" smtClean="0"/>
+              <a:t>Ousterhout</a:t>
+            </a:r>
             <a:endParaRPr lang="en-US" dirty="0" smtClean="0"/>
           </a:p>
           <a:p>
             <a:r>
+              <a:rPr lang="en-US" dirty="0" err="1" smtClean="0"/>
+              <a:t>Tk</a:t>
+            </a:r>
+            <a:r>
+              <a:rPr lang="en-US" dirty="0" smtClean="0"/>
+              <a:t>: </a:t>
+            </a:r>
+            <a:r>
+              <a:rPr lang="en-US" dirty="0"/>
+              <a:t>is an extension of </a:t>
+            </a:r>
+            <a:r>
               <a:rPr lang="en-US" dirty="0" err="1"/>
-              <a:t>T</a:t>
+              <a:t>Tcl</a:t>
+            </a:r>
+            <a:r>
+              <a:rPr lang="en-US" dirty="0"/>
+              <a:t> that provides GUI components through </a:t>
             </a:r>
             <a:r>
               <a:rPr lang="en-US" dirty="0" err="1" smtClean="0"/>
-              <a:t>k</a:t>
+              <a:t>Tcl</a:t>
+            </a:r>
+            <a:r>
+              <a:rPr lang="en-US" dirty="0"/>
+              <a:t>  - in 1990, again by John </a:t>
+            </a:r>
+            <a:r>
+              <a:rPr lang="en-US" dirty="0" err="1"/>
+              <a:t>Ousterhout</a:t>
+            </a:r>
+            <a:endParaRPr lang="en-US" dirty="0" smtClean="0"/>
+          </a:p>
+          <a:p>
+            <a:r>
+              <a:rPr lang="en-US" dirty="0" err="1" smtClean="0"/>
+              <a:t>Tcl</a:t>
+            </a:r>
+            <a:r>
+              <a:rPr lang="en-US" dirty="0" smtClean="0"/>
+              <a:t>/</a:t>
+            </a:r>
+            <a:r>
+              <a:rPr lang="en-US" dirty="0" err="1" smtClean="0"/>
+              <a:t>Tk</a:t>
             </a:r>
             <a:r>
               <a:rPr lang="en-US" dirty="0" smtClean="0"/>
               <a:t> </a:t>
             </a:r>
-            <a:endParaRPr lang="en-US" dirty="0"/>
-          </a:p>
-          <a:p>
-            <a:endParaRPr lang="en-US" dirty="0"/>
-          </a:p>
-          <a:p>
-            <a:endParaRPr lang="en-US" dirty="0" smtClean="0"/>
-          </a:p>
-          <a:p>
-            <a:r>
-              <a:rPr lang="en-US" dirty="0" err="1" smtClean="0"/>
-              <a:t>Tcl</a:t>
-            </a:r>
-            <a:r>
-              <a:rPr lang="en-US" dirty="0" smtClean="0"/>
-              <a:t>/</a:t>
-            </a:r>
-            <a:r>
-              <a:rPr lang="en-US" dirty="0" err="1" smtClean="0"/>
-              <a:t>Tk</a:t>
-            </a:r>
-            <a:r>
-              <a:rPr lang="en-US" dirty="0" smtClean="0"/>
-              <a:t> </a:t>
-            </a:r>
             <a:r>
               <a:rPr lang="en-US" dirty="0"/>
               <a:t>is a combination of a scripting language </a:t>
@@ -3920,7 +4473,6 @@
               <a:rPr lang="en-US" dirty="0"/>
               <a:t>toolkit for graphical user interfaces.</a:t>
             </a:r>
-            <a:endParaRPr lang="en-US" dirty="0"/>
           </a:p>
         </p:txBody>
       </p:sp>
@@ -4083,7 +4635,6 @@
               <a:rPr lang="en-US" dirty="0"/>
               <a:t>form more complex GUI applications.</a:t>
             </a:r>
-            <a:endParaRPr lang="en-US" dirty="0"/>
           </a:p>
         </p:txBody>
       </p:sp>
@@ -4261,10 +4812,216 @@
           <a:chExt cx="0" cy="0"/>
         </a:xfrm>
       </p:grpSpPr>
+      <p:sp>
+        <p:nvSpPr>
+          <p:cNvPr id="2" name="Title 1"/>
+          <p:cNvSpPr>
+            <a:spLocks noGrp="1"/>
+          </p:cNvSpPr>
+          <p:nvPr>
+            <p:ph type="title"/>
+          </p:nvPr>
+        </p:nvSpPr>
+        <p:spPr/>
+        <p:txBody>
+          <a:bodyPr/>
+          <a:lstStyle/>
+          <a:p>
+            <a:r>
+              <a:rPr lang="en-US" dirty="0"/>
+              <a:t> Layout and Containers</a:t>
+            </a:r>
+          </a:p>
+        </p:txBody>
+      </p:sp>
+      <p:sp>
+        <p:nvSpPr>
+          <p:cNvPr id="3" name="Content Placeholder 2"/>
+          <p:cNvSpPr>
+            <a:spLocks noGrp="1"/>
+          </p:cNvSpPr>
+          <p:nvPr>
+            <p:ph idx="1"/>
+          </p:nvPr>
+        </p:nvSpPr>
+        <p:spPr/>
+        <p:txBody>
+          <a:bodyPr/>
+          <a:lstStyle/>
+          <a:p>
+            <a:r>
+              <a:rPr lang="en-US" dirty="0"/>
+              <a:t>Top-level windows   </a:t>
+            </a:r>
+            <a:r>
+              <a:rPr lang="en-US" sz="2000" b="1" dirty="0" err="1"/>
+              <a:t>tktoplevel</a:t>
+            </a:r>
+            <a:r>
+              <a:rPr lang="en-US" sz="2000" dirty="0"/>
+              <a:t> constructor. </a:t>
+            </a:r>
+            <a:r>
+              <a:rPr lang="en-US" sz="2000" dirty="0" smtClean="0"/>
+              <a:t>Basic options </a:t>
+            </a:r>
+            <a:r>
+              <a:rPr lang="en-US" sz="2000" dirty="0"/>
+              <a:t>include the ability to specify the preferred </a:t>
+            </a:r>
+            <a:r>
+              <a:rPr lang="en-US" sz="2000" b="1" i="1" dirty="0"/>
+              <a:t>width</a:t>
+            </a:r>
+            <a:r>
+              <a:rPr lang="en-US" sz="2000" dirty="0"/>
+              <a:t> and </a:t>
+            </a:r>
+            <a:r>
+              <a:rPr lang="en-US" sz="2000" b="1" i="1" dirty="0"/>
+              <a:t>height</a:t>
+            </a:r>
+            <a:r>
+              <a:rPr lang="en-US" sz="2000" i="1" dirty="0"/>
+              <a:t> </a:t>
+            </a:r>
+            <a:r>
+              <a:rPr lang="en-US" sz="2000" dirty="0" smtClean="0"/>
+              <a:t>and to </a:t>
+            </a:r>
+            <a:r>
+              <a:rPr lang="en-US" sz="2000" dirty="0"/>
+              <a:t>specify a menu bar through the </a:t>
+            </a:r>
+            <a:r>
+              <a:rPr lang="en-US" sz="2000" b="1" i="1" dirty="0"/>
+              <a:t>menu</a:t>
+            </a:r>
+            <a:r>
+              <a:rPr lang="en-US" sz="2000" dirty="0"/>
+              <a:t> argument</a:t>
+            </a:r>
+            <a:r>
+              <a:rPr lang="en-US" sz="2000" dirty="0" smtClean="0"/>
+              <a:t>.</a:t>
+            </a:r>
+          </a:p>
+          <a:p>
+            <a:endParaRPr lang="en-US" sz="2000" dirty="0"/>
+          </a:p>
+          <a:p>
+            <a:r>
+              <a:rPr lang="en-US" dirty="0"/>
+              <a:t>Frames	</a:t>
+            </a:r>
+            <a:r>
+              <a:rPr lang="en-US" sz="2000" b="1" dirty="0" err="1" smtClean="0"/>
+              <a:t>ttkframe</a:t>
+            </a:r>
+            <a:r>
+              <a:rPr lang="en-US" sz="2000" dirty="0" smtClean="0"/>
+              <a:t> </a:t>
+            </a:r>
+            <a:r>
+              <a:rPr lang="en-US" sz="2000" dirty="0"/>
+              <a:t>constructor produces a themeable container that can be </a:t>
+            </a:r>
+            <a:r>
+              <a:rPr lang="en-US" sz="2000" dirty="0" smtClean="0"/>
+              <a:t>used to </a:t>
+            </a:r>
+            <a:r>
+              <a:rPr lang="en-US" sz="2000" dirty="0"/>
+              <a:t>organize visible components within a </a:t>
+            </a:r>
+            <a:r>
+              <a:rPr lang="en-US" sz="2000" dirty="0" smtClean="0"/>
+              <a:t>GUI</a:t>
+            </a:r>
+            <a:r>
+              <a:rPr lang="en-US" sz="2000" dirty="0"/>
+              <a:t>. </a:t>
+            </a:r>
+            <a:r>
+              <a:rPr lang="en-US" sz="2000" dirty="0" smtClean="0"/>
+              <a:t>Options include </a:t>
+            </a:r>
+            <a:r>
+              <a:rPr lang="en-US" sz="2000" b="1" i="1" dirty="0" smtClean="0"/>
+              <a:t>width</a:t>
+            </a:r>
+            <a:r>
+              <a:rPr lang="en-US" sz="2000" dirty="0" smtClean="0"/>
+              <a:t> </a:t>
+            </a:r>
+            <a:r>
+              <a:rPr lang="en-US" sz="2000" dirty="0"/>
+              <a:t>and </a:t>
+            </a:r>
+            <a:r>
+              <a:rPr lang="en-US" sz="2000" b="1" i="1" dirty="0" smtClean="0"/>
+              <a:t>height</a:t>
+            </a:r>
+            <a:r>
+              <a:rPr lang="en-US" sz="2000" dirty="0" smtClean="0"/>
+              <a:t> to set the required size. The </a:t>
+            </a:r>
+            <a:r>
+              <a:rPr lang="en-US" sz="2000" b="1" i="1" dirty="0" smtClean="0"/>
+              <a:t>padding</a:t>
+            </a:r>
+            <a:r>
+              <a:rPr lang="en-US" sz="2000" dirty="0" smtClean="0"/>
+              <a:t> option can be used to put space between the border and subsequent children. The option </a:t>
+            </a:r>
+            <a:r>
+              <a:rPr lang="en-US" sz="2000" b="1" i="1" dirty="0" err="1" smtClean="0"/>
+              <a:t>borderwidth</a:t>
+            </a:r>
+            <a:r>
+              <a:rPr lang="en-US" sz="2000" dirty="0" smtClean="0"/>
+              <a:t> to specify a border around the frame of a given width, and </a:t>
+            </a:r>
+            <a:r>
+              <a:rPr lang="en-US" sz="2000" b="1" i="1" dirty="0" err="1" smtClean="0"/>
+              <a:t>relif</a:t>
+            </a:r>
+            <a:r>
+              <a:rPr lang="en-US" sz="2000" b="1" i="1" dirty="0" smtClean="0"/>
+              <a:t> </a:t>
+            </a:r>
+            <a:r>
+              <a:rPr lang="en-US" sz="2000" dirty="0" smtClean="0"/>
+              <a:t>to set the border style. Like </a:t>
+            </a:r>
+            <a:r>
+              <a:rPr lang="en-US" sz="2000" dirty="0"/>
+              <a:t>“flat</a:t>
+            </a:r>
+            <a:r>
+              <a:rPr lang="en-US" sz="2000" dirty="0" smtClean="0"/>
+              <a:t>”, "</a:t>
+            </a:r>
+            <a:r>
+              <a:rPr lang="en-US" sz="2000" dirty="0"/>
+              <a:t>groove", "raised", "ridge", "solid", and "sunken".</a:t>
+            </a:r>
+          </a:p>
+          <a:p>
+            <a:endParaRPr lang="en-US" sz="2000" dirty="0"/>
+          </a:p>
+          <a:p>
+            <a:endParaRPr lang="en-US" sz="2000" dirty="0"/>
+          </a:p>
+          <a:p>
+            <a:endParaRPr lang="en-US" dirty="0"/>
+          </a:p>
+        </p:txBody>
+      </p:sp>
     </p:spTree>
     <p:extLst>
       <p:ext uri="{BB962C8B-B14F-4D97-AF65-F5344CB8AC3E}">
-        <p14:creationId xmlns:p14="http://schemas.microsoft.com/office/powerpoint/2010/main" val="986215573"/>
+        <p14:creationId xmlns:p14="http://schemas.microsoft.com/office/powerpoint/2010/main" val="1016334281"/>
       </p:ext>
     </p:extLst>
   </p:cSld>
@@ -4291,56 +5048,188 @@
           <a:chExt cx="0" cy="0"/>
         </a:xfrm>
       </p:grpSpPr>
-      <p:sp>
-        <p:nvSpPr>
-          <p:cNvPr id="2" name="Title 1"/>
-          <p:cNvSpPr>
-            <a:spLocks noGrp="1"/>
-          </p:cNvSpPr>
-          <p:nvPr>
-            <p:ph type="title"/>
-          </p:nvPr>
-        </p:nvSpPr>
-        <p:spPr/>
-        <p:txBody>
-          <a:bodyPr/>
-          <a:lstStyle/>
-          <a:p>
-            <a:r>
-              <a:rPr lang="en-US" dirty="0"/>
-              <a:t>geometry manager </a:t>
-            </a:r>
-            <a:endParaRPr lang="en-US" dirty="0"/>
-          </a:p>
-        </p:txBody>
-      </p:sp>
-      <p:sp>
-        <p:nvSpPr>
-          <p:cNvPr id="3" name="Content Placeholder 2"/>
-          <p:cNvSpPr>
-            <a:spLocks noGrp="1"/>
-          </p:cNvSpPr>
-          <p:nvPr>
-            <p:ph idx="1"/>
-          </p:nvPr>
-        </p:nvSpPr>
-        <p:spPr/>
-        <p:txBody>
-          <a:bodyPr/>
-          <a:lstStyle/>
-          <a:p>
-            <a:r>
-              <a:rPr lang="en-US" dirty="0" err="1" smtClean="0"/>
-              <a:t>tkpack</a:t>
-            </a:r>
-            <a:endParaRPr lang="en-US" dirty="0"/>
-          </a:p>
-        </p:txBody>
-      </p:sp>
+      <p:pic>
+        <p:nvPicPr>
+          <p:cNvPr id="2050" name="Picture 2"/>
+          <p:cNvPicPr>
+            <a:picLocks noChangeAspect="1" noChangeArrowheads="1"/>
+          </p:cNvPicPr>
+          <p:nvPr/>
+        </p:nvPicPr>
+        <p:blipFill>
+          <a:blip r:embed="rId2">
+            <a:extLst>
+              <a:ext uri="{28A0092B-C50C-407E-A947-70E740481C1C}">
+                <a14:useLocalDpi xmlns:a14="http://schemas.microsoft.com/office/drawing/2010/main" val="0"/>
+              </a:ext>
+            </a:extLst>
+          </a:blip>
+          <a:srcRect/>
+          <a:stretch>
+            <a:fillRect/>
+          </a:stretch>
+        </p:blipFill>
+        <p:spPr bwMode="auto">
+          <a:xfrm>
+            <a:off x="138113" y="1143000"/>
+            <a:ext cx="8867775" cy="4572000"/>
+          </a:xfrm>
+          <a:prstGeom prst="rect">
+            <a:avLst/>
+          </a:prstGeom>
+          <a:noFill/>
+          <a:ln>
+            <a:noFill/>
+          </a:ln>
+          <a:extLst>
+            <a:ext uri="{909E8E84-426E-40DD-AFC4-6F175D3DCCD1}">
+              <a14:hiddenFill xmlns:a14="http://schemas.microsoft.com/office/drawing/2010/main">
+                <a:solidFill>
+                  <a:schemeClr val="accent1"/>
+                </a:solidFill>
+              </a14:hiddenFill>
+            </a:ext>
+            <a:ext uri="{91240B29-F687-4F45-9708-019B960494DF}">
+              <a14:hiddenLine xmlns:a14="http://schemas.microsoft.com/office/drawing/2010/main" w="9525">
+                <a:solidFill>
+                  <a:schemeClr val="tx1"/>
+                </a:solidFill>
+                <a:miter lim="800000"/>
+                <a:headEnd/>
+                <a:tailEnd/>
+              </a14:hiddenLine>
+            </a:ext>
+          </a:extLst>
+        </p:spPr>
+      </p:pic>
     </p:spTree>
     <p:extLst>
       <p:ext uri="{BB962C8B-B14F-4D97-AF65-F5344CB8AC3E}">
-        <p14:creationId xmlns:p14="http://schemas.microsoft.com/office/powerpoint/2010/main" val="2625156311"/>
+        <p14:creationId xmlns:p14="http://schemas.microsoft.com/office/powerpoint/2010/main" val="4095057958"/>
+      </p:ext>
+    </p:extLst>
+  </p:cSld>
+  <p:clrMapOvr>
+    <a:masterClrMapping/>
+  </p:clrMapOvr>
+</p:sld>
+</file>
+
+<file path=ppt/slides/slide7.xml><?xml version="1.0" encoding="utf-8"?>
+<p:sld xmlns:a="http://schemas.openxmlformats.org/drawingml/2006/main" xmlns:r="http://schemas.openxmlformats.org/officeDocument/2006/relationships" xmlns:p="http://schemas.openxmlformats.org/presentationml/2006/main">
+  <p:cSld>
+    <p:spTree>
+      <p:nvGrpSpPr>
+        <p:cNvPr id="1" name=""/>
+        <p:cNvGrpSpPr/>
+        <p:nvPr/>
+      </p:nvGrpSpPr>
+      <p:grpSpPr>
+        <a:xfrm>
+          <a:off x="0" y="0"/>
+          <a:ext cx="0" cy="0"/>
+          <a:chOff x="0" y="0"/>
+          <a:chExt cx="0" cy="0"/>
+        </a:xfrm>
+      </p:grpSpPr>
+      <p:sp>
+        <p:nvSpPr>
+          <p:cNvPr id="2" name="Title 1"/>
+          <p:cNvSpPr>
+            <a:spLocks noGrp="1"/>
+          </p:cNvSpPr>
+          <p:nvPr>
+            <p:ph type="title"/>
+          </p:nvPr>
+        </p:nvSpPr>
+        <p:spPr/>
+        <p:txBody>
+          <a:bodyPr/>
+          <a:lstStyle/>
+          <a:p>
+            <a:r>
+              <a:rPr lang="en-US" dirty="0"/>
+              <a:t>Geometry managers</a:t>
+            </a:r>
+          </a:p>
+        </p:txBody>
+      </p:sp>
+      <p:sp>
+        <p:nvSpPr>
+          <p:cNvPr id="3" name="Content Placeholder 2"/>
+          <p:cNvSpPr>
+            <a:spLocks noGrp="1"/>
+          </p:cNvSpPr>
+          <p:nvPr>
+            <p:ph idx="1"/>
+          </p:nvPr>
+        </p:nvSpPr>
+        <p:spPr/>
+        <p:txBody>
+          <a:bodyPr/>
+          <a:lstStyle/>
+          <a:p>
+            <a:r>
+              <a:rPr lang="en-US" dirty="0"/>
+              <a:t>The </a:t>
+            </a:r>
+            <a:r>
+              <a:rPr lang="en-US" b="1" dirty="0" err="1"/>
+              <a:t>tkpack</a:t>
+            </a:r>
+            <a:r>
+              <a:rPr lang="en-US" dirty="0"/>
+              <a:t> function will place </a:t>
+            </a:r>
+            <a:r>
+              <a:rPr lang="en-US" dirty="0" smtClean="0"/>
+              <a:t>children into </a:t>
+            </a:r>
+            <a:r>
+              <a:rPr lang="en-US" dirty="0"/>
+              <a:t>their parent in a boxlike </a:t>
+            </a:r>
+            <a:r>
+              <a:rPr lang="en-US" dirty="0" smtClean="0"/>
+              <a:t>manner</a:t>
+            </a:r>
+          </a:p>
+          <a:p>
+            <a:r>
+              <a:rPr lang="en-US" dirty="0"/>
+              <a:t>When simultaneous horizontal and </a:t>
+            </a:r>
+            <a:r>
+              <a:rPr lang="en-US" dirty="0" smtClean="0"/>
+              <a:t>vertical alignment </a:t>
+            </a:r>
+            <a:r>
+              <a:rPr lang="en-US" dirty="0"/>
+              <a:t>of child components is desired, the </a:t>
+            </a:r>
+            <a:r>
+              <a:rPr lang="en-US" b="1" dirty="0" err="1"/>
+              <a:t>tkgrid</a:t>
+            </a:r>
+            <a:r>
+              <a:rPr lang="en-US" dirty="0"/>
+              <a:t> function can be </a:t>
+            </a:r>
+            <a:r>
+              <a:rPr lang="en-US" dirty="0" smtClean="0"/>
+              <a:t>used to </a:t>
+            </a:r>
+            <a:r>
+              <a:rPr lang="en-US" dirty="0"/>
+              <a:t>manage the components.</a:t>
+            </a:r>
+          </a:p>
+        </p:txBody>
+      </p:sp>
+    </p:spTree>
+    <p:extLst>
+      <p:ext uri="{BB962C8B-B14F-4D97-AF65-F5344CB8AC3E}">
+        <p14:creationId xmlns:p14="http://schemas.microsoft.com/office/powerpoint/2010/main" val="1913635410"/>
       </p:ext>
     </p:extLst>
   </p:cSld>

--- a/R GUI building .pptx
+++ b/R GUI building .pptx
@@ -198,7 +198,7 @@
           <a:p>
             <a:fld id="{CAD520FA-5E10-4676-B445-F73293872EE0}" type="datetimeFigureOut">
               <a:rPr lang="en-US" smtClean="0"/>
-              <a:t>10/8/2014</a:t>
+              <a:t>10/14/2014</a:t>
             </a:fld>
             <a:endParaRPr lang="en-US"/>
           </a:p>
@@ -605,15 +605,7 @@
             </a:r>
             <a:r>
               <a:rPr lang="en-US" dirty="0" smtClean="0"/>
-              <a:t>, the </a:t>
-            </a:r>
-            <a:r>
-              <a:rPr lang="en-US" dirty="0" err="1" smtClean="0"/>
-              <a:t>Tk</a:t>
-            </a:r>
-            <a:r>
-              <a:rPr lang="en-US" dirty="0" smtClean="0"/>
-              <a:t> libraries are widely used for R GUIs.</a:t>
+              <a:t>, the Tk libraries are widely used for R GUIs.</a:t>
             </a:r>
             <a:endParaRPr lang="en-US" dirty="0"/>
           </a:p>
@@ -709,15 +701,7 @@
             </a:r>
             <a:r>
               <a:rPr lang="en-US" dirty="0" smtClean="0"/>
-              <a:t>easier and faster. There are a large number of language bindings available for </a:t>
-            </a:r>
-            <a:r>
-              <a:rPr lang="en-US" dirty="0" err="1" smtClean="0"/>
-              <a:t>Tk</a:t>
-            </a:r>
-            <a:r>
-              <a:rPr lang="en-US" dirty="0" smtClean="0"/>
-              <a:t>, including Perl, Python, Ruby, and, through the </a:t>
+              <a:t>easier and faster. There are a large number of language bindings available for Tk, including Perl, Python, Ruby, and, through the </a:t>
             </a:r>
             <a:r>
               <a:rPr lang="en-US" dirty="0" err="1" smtClean="0"/>
@@ -803,15 +787,7 @@
             </a:r>
             <a:r>
               <a:rPr lang="en-US" dirty="0" smtClean="0"/>
-              <a:t>been bundled with the necessary </a:t>
-            </a:r>
-            <a:r>
-              <a:rPr lang="en-US" dirty="0" err="1" smtClean="0"/>
-              <a:t>Tk</a:t>
-            </a:r>
-            <a:r>
-              <a:rPr lang="en-US" dirty="0" smtClean="0"/>
-              <a:t> version for years, so there are no</a:t>
+              <a:t>been bundled with the necessary Tk version for years, so there are no</a:t>
             </a:r>
             <a:r>
               <a:rPr lang="en-US" baseline="0" dirty="0" smtClean="0"/>
@@ -835,15 +811,7 @@
             </a:r>
             <a:r>
               <a:rPr lang="en-US" dirty="0" smtClean="0"/>
-              <a:t>installations include the newer </a:t>
-            </a:r>
-            <a:r>
-              <a:rPr lang="en-US" dirty="0" err="1" smtClean="0"/>
-              <a:t>Tk</a:t>
-            </a:r>
-            <a:r>
-              <a:rPr lang="en-US" dirty="0" smtClean="0"/>
-              <a:t> libraries.</a:t>
+              <a:t>installations include the newer Tk libraries.</a:t>
             </a:r>
             <a:endParaRPr lang="en-US" dirty="0"/>
           </a:p>
@@ -1266,7 +1234,7 @@
             <a:fld id="{1D8BD707-D9CF-40AE-B4C6-C98DA3205C09}" type="datetimeFigureOut">
               <a:rPr lang="en-US" smtClean="0"/>
               <a:pPr/>
-              <a:t>10/8/2014</a:t>
+              <a:t>10/14/2014</a:t>
             </a:fld>
             <a:endParaRPr lang="en-US"/>
           </a:p>
@@ -1433,7 +1401,7 @@
             <a:fld id="{1D8BD707-D9CF-40AE-B4C6-C98DA3205C09}" type="datetimeFigureOut">
               <a:rPr lang="en-US" smtClean="0"/>
               <a:pPr/>
-              <a:t>10/8/2014</a:t>
+              <a:t>10/14/2014</a:t>
             </a:fld>
             <a:endParaRPr lang="en-US"/>
           </a:p>
@@ -1610,7 +1578,7 @@
             <a:fld id="{1D8BD707-D9CF-40AE-B4C6-C98DA3205C09}" type="datetimeFigureOut">
               <a:rPr lang="en-US" smtClean="0"/>
               <a:pPr/>
-              <a:t>10/8/2014</a:t>
+              <a:t>10/14/2014</a:t>
             </a:fld>
             <a:endParaRPr lang="en-US"/>
           </a:p>
@@ -1777,7 +1745,7 @@
             <a:fld id="{1D8BD707-D9CF-40AE-B4C6-C98DA3205C09}" type="datetimeFigureOut">
               <a:rPr lang="en-US" smtClean="0"/>
               <a:pPr/>
-              <a:t>10/8/2014</a:t>
+              <a:t>10/14/2014</a:t>
             </a:fld>
             <a:endParaRPr lang="en-US"/>
           </a:p>
@@ -2020,7 +1988,7 @@
             <a:fld id="{1D8BD707-D9CF-40AE-B4C6-C98DA3205C09}" type="datetimeFigureOut">
               <a:rPr lang="en-US" smtClean="0"/>
               <a:pPr/>
-              <a:t>10/8/2014</a:t>
+              <a:t>10/14/2014</a:t>
             </a:fld>
             <a:endParaRPr lang="en-US"/>
           </a:p>
@@ -2305,7 +2273,7 @@
             <a:fld id="{1D8BD707-D9CF-40AE-B4C6-C98DA3205C09}" type="datetimeFigureOut">
               <a:rPr lang="en-US" smtClean="0"/>
               <a:pPr/>
-              <a:t>10/8/2014</a:t>
+              <a:t>10/14/2014</a:t>
             </a:fld>
             <a:endParaRPr lang="en-US"/>
           </a:p>
@@ -2724,7 +2692,7 @@
             <a:fld id="{1D8BD707-D9CF-40AE-B4C6-C98DA3205C09}" type="datetimeFigureOut">
               <a:rPr lang="en-US" smtClean="0"/>
               <a:pPr/>
-              <a:t>10/8/2014</a:t>
+              <a:t>10/14/2014</a:t>
             </a:fld>
             <a:endParaRPr lang="en-US"/>
           </a:p>
@@ -2839,7 +2807,7 @@
             <a:fld id="{1D8BD707-D9CF-40AE-B4C6-C98DA3205C09}" type="datetimeFigureOut">
               <a:rPr lang="en-US" smtClean="0"/>
               <a:pPr/>
-              <a:t>10/8/2014</a:t>
+              <a:t>10/14/2014</a:t>
             </a:fld>
             <a:endParaRPr lang="en-US"/>
           </a:p>
@@ -2931,7 +2899,7 @@
             <a:fld id="{1D8BD707-D9CF-40AE-B4C6-C98DA3205C09}" type="datetimeFigureOut">
               <a:rPr lang="en-US" smtClean="0"/>
               <a:pPr/>
-              <a:t>10/8/2014</a:t>
+              <a:t>10/14/2014</a:t>
             </a:fld>
             <a:endParaRPr lang="en-US"/>
           </a:p>
@@ -3205,7 +3173,7 @@
             <a:fld id="{1D8BD707-D9CF-40AE-B4C6-C98DA3205C09}" type="datetimeFigureOut">
               <a:rPr lang="en-US" smtClean="0"/>
               <a:pPr/>
-              <a:t>10/8/2014</a:t>
+              <a:t>10/14/2014</a:t>
             </a:fld>
             <a:endParaRPr lang="en-US"/>
           </a:p>
@@ -3455,7 +3423,7 @@
             <a:fld id="{1D8BD707-D9CF-40AE-B4C6-C98DA3205C09}" type="datetimeFigureOut">
               <a:rPr lang="en-US" smtClean="0"/>
               <a:pPr/>
-              <a:t>10/8/2014</a:t>
+              <a:t>10/14/2014</a:t>
             </a:fld>
             <a:endParaRPr lang="en-US"/>
           </a:p>
@@ -3665,7 +3633,7 @@
             <a:fld id="{1D8BD707-D9CF-40AE-B4C6-C98DA3205C09}" type="datetimeFigureOut">
               <a:rPr lang="en-US" smtClean="0"/>
               <a:pPr/>
-              <a:t>10/8/2014</a:t>
+              <a:t>10/14/2014</a:t>
             </a:fld>
             <a:endParaRPr lang="en-US"/>
           </a:p>
@@ -4397,11 +4365,7 @@
             </a:r>
             <a:r>
               <a:rPr lang="en-US" dirty="0"/>
-              <a:t>anguage </a:t>
-            </a:r>
-            <a:r>
-              <a:rPr lang="en-US" dirty="0"/>
-              <a:t> - in the late 1980s by John </a:t>
+              <a:t>anguage  - in the late 1980s by John </a:t>
             </a:r>
             <a:r>
               <a:rPr lang="en-US" dirty="0" err="1" smtClean="0"/>
@@ -4411,12 +4375,8 @@
           </a:p>
           <a:p>
             <a:r>
-              <a:rPr lang="en-US" dirty="0" err="1" smtClean="0"/>
-              <a:t>Tk</a:t>
-            </a:r>
-            <a:r>
               <a:rPr lang="en-US" dirty="0" smtClean="0"/>
-              <a:t>: </a:t>
+              <a:t>Tk: </a:t>
             </a:r>
             <a:r>
               <a:rPr lang="en-US" dirty="0"/>
@@ -4582,12 +4542,8 @@
               <a:buNone/>
             </a:pPr>
             <a:r>
-              <a:rPr lang="en-US" dirty="0" err="1" smtClean="0"/>
-              <a:t>Tk</a:t>
-            </a:r>
-            <a:r>
               <a:rPr lang="en-US" dirty="0" smtClean="0"/>
-              <a:t> </a:t>
+              <a:t>Tk </a:t>
             </a:r>
             <a:r>
               <a:rPr lang="en-US" dirty="0"/>

--- a/R GUI building .pptx
+++ b/R GUI building .pptx
@@ -5,16 +5,18 @@
     <p:sldMasterId id="2147483648" r:id="rId1"/>
   </p:sldMasterIdLst>
   <p:notesMasterIdLst>
-    <p:notesMasterId r:id="rId9"/>
+    <p:notesMasterId r:id="rId11"/>
   </p:notesMasterIdLst>
   <p:sldIdLst>
     <p:sldId id="256" r:id="rId2"/>
     <p:sldId id="257" r:id="rId3"/>
     <p:sldId id="259" r:id="rId4"/>
-    <p:sldId id="260" r:id="rId5"/>
-    <p:sldId id="263" r:id="rId6"/>
-    <p:sldId id="264" r:id="rId7"/>
-    <p:sldId id="266" r:id="rId8"/>
+    <p:sldId id="267" r:id="rId5"/>
+    <p:sldId id="260" r:id="rId6"/>
+    <p:sldId id="268" r:id="rId7"/>
+    <p:sldId id="263" r:id="rId8"/>
+    <p:sldId id="264" r:id="rId9"/>
+    <p:sldId id="266" r:id="rId10"/>
   </p:sldIdLst>
   <p:sldSz cx="9144000" cy="6858000" type="screen4x3"/>
   <p:notesSz cx="6858000" cy="9144000"/>
@@ -198,7 +200,7 @@
           <a:p>
             <a:fld id="{CAD520FA-5E10-4676-B445-F73293872EE0}" type="datetimeFigureOut">
               <a:rPr lang="en-US" smtClean="0"/>
-              <a:t>10/14/2014</a:t>
+              <a:t>10/16/2014</a:t>
             </a:fld>
             <a:endParaRPr lang="en-US"/>
           </a:p>
@@ -774,9 +776,6 @@
             <a:endParaRPr lang="en-US" dirty="0" smtClean="0"/>
           </a:p>
           <a:p>
-            <a:endParaRPr lang="en-US" dirty="0" smtClean="0"/>
-          </a:p>
-          <a:p>
             <a:r>
               <a:rPr lang="en-US" dirty="0" smtClean="0"/>
               <a:t>R for Windows has</a:t>
@@ -811,9 +810,238 @@
             </a:r>
             <a:r>
               <a:rPr lang="en-US" dirty="0" smtClean="0"/>
-              <a:t>installations include the newer Tk libraries.</a:t>
-            </a:r>
-            <a:endParaRPr lang="en-US" dirty="0"/>
+              <a:t>installations include the newer Tk libraries</a:t>
+            </a:r>
+            <a:r>
+              <a:rPr lang="en-US" dirty="0" smtClean="0"/>
+              <a:t>.</a:t>
+            </a:r>
+          </a:p>
+          <a:p>
+            <a:endParaRPr lang="en-US" dirty="0" smtClean="0"/>
+          </a:p>
+          <a:p>
+            <a:r>
+              <a:rPr lang="en-US" sz="1200" b="0" i="0" u="none" strike="noStrike" kern="1200" baseline="0" dirty="0" smtClean="0">
+                <a:solidFill>
+                  <a:schemeClr val="tx1"/>
+                </a:solidFill>
+                <a:latin typeface="+mn-lt"/>
+                <a:ea typeface="+mn-ea"/>
+                <a:cs typeface="+mn-cs"/>
+              </a:rPr>
+              <a:t>The R manual pages simply redirect the reader to the original Tk documentation, hard to check the use of </a:t>
+            </a:r>
+            <a:r>
+              <a:rPr lang="en-US" sz="1200" b="0" i="0" u="none" strike="noStrike" kern="1200" baseline="0" dirty="0" err="1" smtClean="0">
+                <a:solidFill>
+                  <a:schemeClr val="tx1"/>
+                </a:solidFill>
+                <a:latin typeface="+mn-lt"/>
+                <a:ea typeface="+mn-ea"/>
+                <a:cs typeface="+mn-cs"/>
+              </a:rPr>
+              <a:t>tcltk</a:t>
+            </a:r>
+            <a:r>
+              <a:rPr lang="en-US" sz="1200" b="0" i="0" u="none" strike="noStrike" kern="1200" baseline="0" dirty="0" smtClean="0">
+                <a:solidFill>
+                  <a:schemeClr val="tx1"/>
+                </a:solidFill>
+                <a:latin typeface="+mn-lt"/>
+                <a:ea typeface="+mn-ea"/>
+                <a:cs typeface="+mn-cs"/>
+              </a:rPr>
+              <a:t>.</a:t>
+            </a:r>
+          </a:p>
+          <a:p>
+            <a:endParaRPr lang="en-US" dirty="0" smtClean="0"/>
+          </a:p>
+          <a:p>
+            <a:r>
+              <a:rPr lang="en-US" sz="1200" b="0" i="0" u="none" strike="noStrike" kern="1200" baseline="0" dirty="0" smtClean="0">
+                <a:solidFill>
+                  <a:schemeClr val="tx1"/>
+                </a:solidFill>
+                <a:latin typeface="+mn-lt"/>
+                <a:ea typeface="+mn-ea"/>
+                <a:cs typeface="+mn-cs"/>
+              </a:rPr>
+              <a:t>Tk has a well-documented API[10] (www.tcl.tk/man/tcl8.5). There are also several books to supplement. We consulted the one by Welch, Jones and Hobbs[1] often in the development of this material. The online sample chapter on geometry management of Walsh[13] was perused, as it provides</a:t>
+            </a:r>
+          </a:p>
+          <a:p>
+            <a:r>
+              <a:rPr lang="en-US" sz="1200" b="0" i="0" u="none" strike="noStrike" kern="1200" baseline="0" dirty="0" smtClean="0">
+                <a:solidFill>
+                  <a:schemeClr val="tx1"/>
+                </a:solidFill>
+                <a:latin typeface="+mn-lt"/>
+                <a:ea typeface="+mn-ea"/>
+                <a:cs typeface="+mn-cs"/>
+              </a:rPr>
+              <a:t>a thorough discussion of that topic. In addition, the Tk Tutorial of Mark </a:t>
+            </a:r>
+            <a:r>
+              <a:rPr lang="en-US" sz="1200" b="0" i="0" u="none" strike="noStrike" kern="1200" baseline="0" dirty="0" err="1" smtClean="0">
+                <a:solidFill>
+                  <a:schemeClr val="tx1"/>
+                </a:solidFill>
+                <a:latin typeface="+mn-lt"/>
+                <a:ea typeface="+mn-ea"/>
+                <a:cs typeface="+mn-cs"/>
+              </a:rPr>
+              <a:t>Roseman</a:t>
+            </a:r>
+            <a:r>
+              <a:rPr lang="en-US" sz="1200" b="0" i="0" u="none" strike="noStrike" kern="1200" baseline="0" dirty="0" smtClean="0">
+                <a:solidFill>
+                  <a:schemeClr val="tx1"/>
+                </a:solidFill>
+                <a:latin typeface="+mn-lt"/>
+                <a:ea typeface="+mn-ea"/>
+                <a:cs typeface="+mn-cs"/>
+              </a:rPr>
+              <a:t>[9] (www.tkdocs.com/tutorial) provides much detail. </a:t>
+            </a:r>
+            <a:r>
+              <a:rPr lang="en-US" sz="1200" b="0" i="0" u="none" strike="noStrike" kern="1200" baseline="0" dirty="0" err="1" smtClean="0">
+                <a:solidFill>
+                  <a:schemeClr val="tx1"/>
+                </a:solidFill>
+                <a:latin typeface="+mn-lt"/>
+                <a:ea typeface="+mn-ea"/>
+                <a:cs typeface="+mn-cs"/>
+              </a:rPr>
+              <a:t>Rspecific</a:t>
+            </a:r>
+            <a:endParaRPr lang="en-US" sz="1200" b="0" i="0" u="none" strike="noStrike" kern="1200" baseline="0" dirty="0" smtClean="0">
+              <a:solidFill>
+                <a:schemeClr val="tx1"/>
+              </a:solidFill>
+              <a:latin typeface="+mn-lt"/>
+              <a:ea typeface="+mn-ea"/>
+              <a:cs typeface="+mn-cs"/>
+            </a:endParaRPr>
+          </a:p>
+          <a:p>
+            <a:r>
+              <a:rPr lang="en-US" sz="1200" b="0" i="0" u="none" strike="noStrike" kern="1200" baseline="0" dirty="0" smtClean="0">
+                <a:solidFill>
+                  <a:schemeClr val="tx1"/>
+                </a:solidFill>
+                <a:latin typeface="+mn-lt"/>
+                <a:ea typeface="+mn-ea"/>
+                <a:cs typeface="+mn-cs"/>
+              </a:rPr>
+              <a:t>documentation includes two excellent R News articles and a proceedings paper[3][5][4] by Peter </a:t>
+            </a:r>
+            <a:r>
+              <a:rPr lang="en-US" sz="1200" b="0" i="0" u="none" strike="noStrike" kern="1200" baseline="0" dirty="0" err="1" smtClean="0">
+                <a:solidFill>
+                  <a:schemeClr val="tx1"/>
+                </a:solidFill>
+                <a:latin typeface="+mn-lt"/>
+                <a:ea typeface="+mn-ea"/>
+                <a:cs typeface="+mn-cs"/>
+              </a:rPr>
+              <a:t>Dalgaard</a:t>
+            </a:r>
+            <a:r>
+              <a:rPr lang="en-US" sz="1200" b="0" i="0" u="none" strike="noStrike" kern="1200" baseline="0" dirty="0" smtClean="0">
+                <a:solidFill>
+                  <a:schemeClr val="tx1"/>
+                </a:solidFill>
+                <a:latin typeface="+mn-lt"/>
+                <a:ea typeface="+mn-ea"/>
+                <a:cs typeface="+mn-cs"/>
+              </a:rPr>
+              <a:t>, the package author. A set of examples</a:t>
+            </a:r>
+          </a:p>
+          <a:p>
+            <a:r>
+              <a:rPr lang="en-US" sz="1200" b="0" i="0" u="none" strike="noStrike" kern="1200" baseline="0" dirty="0" smtClean="0">
+                <a:solidFill>
+                  <a:schemeClr val="tx1"/>
+                </a:solidFill>
+                <a:latin typeface="+mn-lt"/>
+                <a:ea typeface="+mn-ea"/>
+                <a:cs typeface="+mn-cs"/>
+              </a:rPr>
+              <a:t>by James </a:t>
+            </a:r>
+            <a:r>
+              <a:rPr lang="en-US" sz="1200" b="0" i="0" u="none" strike="noStrike" kern="1200" baseline="0" dirty="0" err="1" smtClean="0">
+                <a:solidFill>
+                  <a:schemeClr val="tx1"/>
+                </a:solidFill>
+                <a:latin typeface="+mn-lt"/>
+                <a:ea typeface="+mn-ea"/>
+                <a:cs typeface="+mn-cs"/>
+              </a:rPr>
+              <a:t>Wettenhall</a:t>
+            </a:r>
+            <a:r>
+              <a:rPr lang="en-US" sz="1200" b="0" i="0" u="none" strike="noStrike" kern="1200" baseline="0" dirty="0" smtClean="0">
+                <a:solidFill>
+                  <a:schemeClr val="tx1"/>
+                </a:solidFill>
+                <a:latin typeface="+mn-lt"/>
+                <a:ea typeface="+mn-ea"/>
+                <a:cs typeface="+mn-cs"/>
+              </a:rPr>
+              <a:t>[14] are also quite instructive. A main use of </a:t>
+            </a:r>
+            <a:r>
+              <a:rPr lang="en-US" sz="1200" b="0" i="0" u="none" strike="noStrike" kern="1200" baseline="0" dirty="0" err="1" smtClean="0">
+                <a:solidFill>
+                  <a:schemeClr val="tx1"/>
+                </a:solidFill>
+                <a:latin typeface="+mn-lt"/>
+                <a:ea typeface="+mn-ea"/>
+                <a:cs typeface="+mn-cs"/>
+              </a:rPr>
+              <a:t>tcltk</a:t>
+            </a:r>
+            <a:r>
+              <a:rPr lang="en-US" sz="1200" b="0" i="0" u="none" strike="noStrike" kern="1200" baseline="0" dirty="0" smtClean="0">
+                <a:solidFill>
+                  <a:schemeClr val="tx1"/>
+                </a:solidFill>
+                <a:latin typeface="+mn-lt"/>
+                <a:ea typeface="+mn-ea"/>
+                <a:cs typeface="+mn-cs"/>
+              </a:rPr>
+              <a:t> is within the </a:t>
+            </a:r>
+            <a:r>
+              <a:rPr lang="en-US" sz="1200" b="0" i="0" u="none" strike="noStrike" kern="1200" baseline="0" dirty="0" err="1" smtClean="0">
+                <a:solidFill>
+                  <a:schemeClr val="tx1"/>
+                </a:solidFill>
+                <a:latin typeface="+mn-lt"/>
+                <a:ea typeface="+mn-ea"/>
+                <a:cs typeface="+mn-cs"/>
+              </a:rPr>
+              <a:t>Rcmdr</a:t>
+            </a:r>
+            <a:r>
+              <a:rPr lang="en-US" sz="1200" b="0" i="0" u="none" strike="noStrike" kern="1200" baseline="0" dirty="0" smtClean="0">
+                <a:solidFill>
+                  <a:schemeClr val="tx1"/>
+                </a:solidFill>
+                <a:latin typeface="+mn-lt"/>
+                <a:ea typeface="+mn-ea"/>
+                <a:cs typeface="+mn-cs"/>
+              </a:rPr>
+              <a:t> framework. Writing extensions for that is well documented in an R News article[6] by John Fox, the package author.</a:t>
+            </a:r>
+            <a:endParaRPr lang="en-US" dirty="0" smtClean="0"/>
+          </a:p>
+          <a:p>
+            <a:endParaRPr lang="en-US" dirty="0" smtClean="0"/>
           </a:p>
         </p:txBody>
       </p:sp>
@@ -897,23 +1125,6 @@
           <a:bodyPr/>
           <a:lstStyle/>
           <a:p>
-            <a:pPr marL="0" marR="0" indent="0" algn="l" defTabSz="914400" rtl="0" eaLnBrk="1" fontAlgn="auto" latinLnBrk="0" hangingPunct="1">
-              <a:lnSpc>
-                <a:spcPct val="100000"/>
-              </a:lnSpc>
-              <a:spcBef>
-                <a:spcPts val="0"/>
-              </a:spcBef>
-              <a:spcAft>
-                <a:spcPts val="0"/>
-              </a:spcAft>
-              <a:buClrTx/>
-              <a:buSzTx/>
-              <a:buFontTx/>
-              <a:buNone/>
-              <a:tabLst/>
-              <a:defRPr/>
-            </a:pPr>
             <a:r>
               <a:rPr lang="en-US" sz="1200" b="0" i="0" u="none" strike="noStrike" kern="1200" baseline="0" dirty="0" smtClean="0">
                 <a:solidFill>
@@ -923,11 +1134,250 @@
                 <a:ea typeface="+mn-ea"/>
                 <a:cs typeface="+mn-cs"/>
               </a:rPr>
-              <a:t>A widget along the top or bottom is allocated a parcel just high enough to contain the widget, but occupying as much of the width of the container as possible, whereas widgets along the sides get a parcel of maximal height, but just wide enough to contain it.</a:t>
-            </a:r>
-            <a:endParaRPr lang="en-US" dirty="0" smtClean="0"/>
-          </a:p>
-          <a:p>
+              <a:t>The </a:t>
+            </a:r>
+            <a:r>
+              <a:rPr lang="en-US" sz="1200" b="0" i="0" u="none" strike="noStrike" kern="1200" baseline="0" dirty="0" err="1" smtClean="0">
+                <a:solidFill>
+                  <a:schemeClr val="tx1"/>
+                </a:solidFill>
+                <a:latin typeface="+mn-lt"/>
+                <a:ea typeface="+mn-ea"/>
+                <a:cs typeface="+mn-cs"/>
+              </a:rPr>
+              <a:t>tcltk</a:t>
+            </a:r>
+            <a:r>
+              <a:rPr lang="en-US" sz="1200" b="0" i="0" u="none" strike="noStrike" kern="1200" baseline="0" dirty="0" smtClean="0">
+                <a:solidFill>
+                  <a:schemeClr val="tx1"/>
+                </a:solidFill>
+                <a:latin typeface="+mn-lt"/>
+                <a:ea typeface="+mn-ea"/>
+                <a:cs typeface="+mn-cs"/>
+              </a:rPr>
+              <a:t> package creates objects with a few different classes, </a:t>
+            </a:r>
+            <a:r>
+              <a:rPr lang="en-US" sz="1200" b="0" i="0" u="none" strike="noStrike" kern="1200" baseline="0" dirty="0" err="1" smtClean="0">
+                <a:solidFill>
+                  <a:schemeClr val="tx1"/>
+                </a:solidFill>
+                <a:latin typeface="+mn-lt"/>
+                <a:ea typeface="+mn-ea"/>
+                <a:cs typeface="+mn-cs"/>
+              </a:rPr>
+              <a:t>tclObj</a:t>
+            </a:r>
+            <a:r>
+              <a:rPr lang="en-US" sz="1200" b="0" i="0" u="none" strike="noStrike" kern="1200" baseline="0" dirty="0" smtClean="0">
+                <a:solidFill>
+                  <a:schemeClr val="tx1"/>
+                </a:solidFill>
+                <a:latin typeface="+mn-lt"/>
+                <a:ea typeface="+mn-ea"/>
+                <a:cs typeface="+mn-cs"/>
+              </a:rPr>
+              <a:t> being the primary one (</a:t>
+            </a:r>
+            <a:r>
+              <a:rPr lang="en-US" sz="1200" b="0" i="0" u="none" strike="noStrike" kern="1200" baseline="0" dirty="0" err="1" smtClean="0">
+                <a:solidFill>
+                  <a:schemeClr val="tx1"/>
+                </a:solidFill>
+                <a:latin typeface="+mn-lt"/>
+                <a:ea typeface="+mn-ea"/>
+                <a:cs typeface="+mn-cs"/>
+              </a:rPr>
+              <a:t>tclVar</a:t>
+            </a:r>
+            <a:r>
+              <a:rPr lang="en-US" sz="1200" b="0" i="0" u="none" strike="noStrike" kern="1200" baseline="0" dirty="0" smtClean="0">
+                <a:solidFill>
+                  <a:schemeClr val="tx1"/>
+                </a:solidFill>
+                <a:latin typeface="+mn-lt"/>
+                <a:ea typeface="+mn-ea"/>
+                <a:cs typeface="+mn-cs"/>
+              </a:rPr>
+              <a:t> and </a:t>
+            </a:r>
+            <a:r>
+              <a:rPr lang="en-US" sz="1200" b="0" i="0" u="none" strike="noStrike" kern="1200" baseline="0" dirty="0" err="1" smtClean="0">
+                <a:solidFill>
+                  <a:schemeClr val="tx1"/>
+                </a:solidFill>
+                <a:latin typeface="+mn-lt"/>
+                <a:ea typeface="+mn-ea"/>
+                <a:cs typeface="+mn-cs"/>
+              </a:rPr>
+              <a:t>tkwin</a:t>
+            </a:r>
+            <a:r>
+              <a:rPr lang="en-US" sz="1200" b="0" i="0" u="none" strike="noStrike" kern="1200" baseline="0" dirty="0" smtClean="0">
+                <a:solidFill>
+                  <a:schemeClr val="tx1"/>
+                </a:solidFill>
+                <a:latin typeface="+mn-lt"/>
+                <a:ea typeface="+mn-ea"/>
+                <a:cs typeface="+mn-cs"/>
+              </a:rPr>
+              <a:t> are two other important ones). The </a:t>
+            </a:r>
+            <a:r>
+              <a:rPr lang="en-US" sz="1200" b="0" i="0" u="none" strike="noStrike" kern="1200" baseline="0" dirty="0" err="1" smtClean="0">
+                <a:solidFill>
+                  <a:schemeClr val="tx1"/>
+                </a:solidFill>
+                <a:latin typeface="+mn-lt"/>
+                <a:ea typeface="+mn-ea"/>
+                <a:cs typeface="+mn-cs"/>
+              </a:rPr>
+              <a:t>tclObj</a:t>
+            </a:r>
+            <a:r>
+              <a:rPr lang="en-US" sz="1200" b="0" i="0" u="none" strike="noStrike" kern="1200" baseline="0" dirty="0" smtClean="0">
+                <a:solidFill>
+                  <a:schemeClr val="tx1"/>
+                </a:solidFill>
+                <a:latin typeface="+mn-lt"/>
+                <a:ea typeface="+mn-ea"/>
+                <a:cs typeface="+mn-cs"/>
+              </a:rPr>
+              <a:t> objects print with the leading &lt;</a:t>
+            </a:r>
+            <a:r>
+              <a:rPr lang="en-US" sz="1200" b="0" i="0" u="none" strike="noStrike" kern="1200" baseline="0" dirty="0" err="1" smtClean="0">
+                <a:solidFill>
+                  <a:schemeClr val="tx1"/>
+                </a:solidFill>
+                <a:latin typeface="+mn-lt"/>
+                <a:ea typeface="+mn-ea"/>
+                <a:cs typeface="+mn-cs"/>
+              </a:rPr>
+              <a:t>Tcl</a:t>
+            </a:r>
+            <a:r>
+              <a:rPr lang="en-US" sz="1200" b="0" i="0" u="none" strike="noStrike" kern="1200" baseline="0" dirty="0" smtClean="0">
+                <a:solidFill>
+                  <a:schemeClr val="tx1"/>
+                </a:solidFill>
+                <a:latin typeface="+mn-lt"/>
+                <a:ea typeface="+mn-ea"/>
+                <a:cs typeface="+mn-cs"/>
+              </a:rPr>
+              <a:t>&gt;. The string representation of objects of class </a:t>
+            </a:r>
+            <a:r>
+              <a:rPr lang="en-US" sz="1200" b="0" i="0" u="none" strike="noStrike" kern="1200" baseline="0" dirty="0" err="1" smtClean="0">
+                <a:solidFill>
+                  <a:schemeClr val="tx1"/>
+                </a:solidFill>
+                <a:latin typeface="+mn-lt"/>
+                <a:ea typeface="+mn-ea"/>
+                <a:cs typeface="+mn-cs"/>
+              </a:rPr>
+              <a:t>tclObj</a:t>
+            </a:r>
+            <a:r>
+              <a:rPr lang="en-US" sz="1200" b="0" i="0" u="none" strike="noStrike" kern="1200" baseline="0" dirty="0" smtClean="0">
+                <a:solidFill>
+                  <a:schemeClr val="tx1"/>
+                </a:solidFill>
+                <a:latin typeface="+mn-lt"/>
+                <a:ea typeface="+mn-ea"/>
+                <a:cs typeface="+mn-cs"/>
+              </a:rPr>
+              <a:t> is returned by </a:t>
+            </a:r>
+            <a:r>
+              <a:rPr lang="en-US" sz="1200" b="0" i="0" u="none" strike="noStrike" kern="1200" baseline="0" dirty="0" err="1" smtClean="0">
+                <a:solidFill>
+                  <a:schemeClr val="tx1"/>
+                </a:solidFill>
+                <a:latin typeface="+mn-lt"/>
+                <a:ea typeface="+mn-ea"/>
+                <a:cs typeface="+mn-cs"/>
+              </a:rPr>
+              <a:t>tclvalue</a:t>
+            </a:r>
+            <a:r>
+              <a:rPr lang="en-US" sz="1200" b="0" i="0" u="none" strike="noStrike" kern="1200" baseline="0" dirty="0" smtClean="0">
+                <a:solidFill>
+                  <a:schemeClr val="tx1"/>
+                </a:solidFill>
+                <a:latin typeface="+mn-lt"/>
+                <a:ea typeface="+mn-ea"/>
+                <a:cs typeface="+mn-cs"/>
+              </a:rPr>
+              <a:t> or by coercion through the </a:t>
+            </a:r>
+            <a:r>
+              <a:rPr lang="en-US" sz="1200" b="0" i="0" u="none" strike="noStrike" kern="1200" baseline="0" dirty="0" err="1" smtClean="0">
+                <a:solidFill>
+                  <a:schemeClr val="tx1"/>
+                </a:solidFill>
+                <a:latin typeface="+mn-lt"/>
+                <a:ea typeface="+mn-ea"/>
+                <a:cs typeface="+mn-cs"/>
+              </a:rPr>
+              <a:t>as.character</a:t>
+            </a:r>
+            <a:r>
+              <a:rPr lang="en-US" sz="1200" b="0" i="0" u="none" strike="noStrike" kern="1200" baseline="0" dirty="0" smtClean="0">
+                <a:solidFill>
+                  <a:schemeClr val="tx1"/>
+                </a:solidFill>
+                <a:latin typeface="+mn-lt"/>
+                <a:ea typeface="+mn-ea"/>
+                <a:cs typeface="+mn-cs"/>
+              </a:rPr>
+              <a:t> function. These two differ in how they treat spaces and new lines. Conversion to vectors of mode character, double, integer, and logical is possible, though, in general, direct conversion of complicated </a:t>
+            </a:r>
+            <a:r>
+              <a:rPr lang="en-US" sz="1200" b="0" i="0" u="none" strike="noStrike" kern="1200" baseline="0" dirty="0" err="1" smtClean="0">
+                <a:solidFill>
+                  <a:schemeClr val="tx1"/>
+                </a:solidFill>
+                <a:latin typeface="+mn-lt"/>
+                <a:ea typeface="+mn-ea"/>
+                <a:cs typeface="+mn-cs"/>
+              </a:rPr>
+              <a:t>Tcl</a:t>
+            </a:r>
+            <a:r>
+              <a:rPr lang="en-US" sz="1200" b="0" i="0" u="none" strike="noStrike" kern="1200" baseline="0" dirty="0" smtClean="0">
+                <a:solidFill>
+                  <a:schemeClr val="tx1"/>
+                </a:solidFill>
+                <a:latin typeface="+mn-lt"/>
+                <a:ea typeface="+mn-ea"/>
+                <a:cs typeface="+mn-cs"/>
+              </a:rPr>
+              <a:t> expressions is not supported. We can create objects of this class through </a:t>
+            </a:r>
+            <a:r>
+              <a:rPr lang="en-US" sz="1200" b="0" i="0" u="none" strike="noStrike" kern="1200" baseline="0" dirty="0" err="1" smtClean="0">
+                <a:solidFill>
+                  <a:schemeClr val="tx1"/>
+                </a:solidFill>
+                <a:latin typeface="+mn-lt"/>
+                <a:ea typeface="+mn-ea"/>
+                <a:cs typeface="+mn-cs"/>
+              </a:rPr>
+              <a:t>as.tclObj</a:t>
+            </a:r>
+            <a:r>
+              <a:rPr lang="en-US" sz="1200" b="0" i="0" u="none" strike="noStrike" kern="1200" baseline="0" dirty="0" smtClean="0">
+                <a:solidFill>
+                  <a:schemeClr val="tx1"/>
+                </a:solidFill>
+                <a:latin typeface="+mn-lt"/>
+                <a:ea typeface="+mn-ea"/>
+                <a:cs typeface="+mn-cs"/>
+              </a:rPr>
+              <a:t>.</a:t>
+            </a:r>
             <a:endParaRPr lang="en-US" dirty="0"/>
           </a:p>
         </p:txBody>
@@ -958,7 +1408,7 @@
     </p:spTree>
     <p:extLst>
       <p:ext uri="{BB962C8B-B14F-4D97-AF65-F5344CB8AC3E}">
-        <p14:creationId xmlns:p14="http://schemas.microsoft.com/office/powerpoint/2010/main" val="3324389834"/>
+        <p14:creationId xmlns:p14="http://schemas.microsoft.com/office/powerpoint/2010/main" val="3340012078"/>
       </p:ext>
     </p:extLst>
   </p:cSld>
@@ -1012,6 +1462,54 @@
           <a:bodyPr/>
           <a:lstStyle/>
           <a:p>
+            <a:r>
+              <a:rPr lang="en-US" sz="1200" b="0" i="0" u="none" strike="noStrike" kern="1200" baseline="0" dirty="0" smtClean="0">
+                <a:solidFill>
+                  <a:schemeClr val="tx1"/>
+                </a:solidFill>
+                <a:latin typeface="+mn-lt"/>
+                <a:ea typeface="+mn-ea"/>
+                <a:cs typeface="+mn-cs"/>
+              </a:rPr>
+              <a:t>Tk widgets are constructed as children of a parent object, with the parent specified to the constructor. It means other widget constructors require that a parent widget be specified as the first argument of the constructor. </a:t>
+            </a:r>
+          </a:p>
+          <a:p>
+            <a:endParaRPr lang="en-US" sz="1200" b="0" i="0" u="none" strike="noStrike" kern="1200" baseline="0" dirty="0" smtClean="0">
+              <a:solidFill>
+                <a:schemeClr val="tx1"/>
+              </a:solidFill>
+              <a:latin typeface="+mn-lt"/>
+              <a:ea typeface="+mn-ea"/>
+              <a:cs typeface="+mn-cs"/>
+            </a:endParaRPr>
+          </a:p>
+          <a:p>
+            <a:r>
+              <a:rPr lang="en-US" sz="1200" b="0" i="0" u="none" strike="noStrike" kern="1200" baseline="0" dirty="0" smtClean="0">
+                <a:solidFill>
+                  <a:schemeClr val="tx1"/>
+                </a:solidFill>
+                <a:latin typeface="+mn-lt"/>
+                <a:ea typeface="+mn-ea"/>
+                <a:cs typeface="+mn-cs"/>
+              </a:rPr>
+              <a:t>A </a:t>
+            </a:r>
+            <a:r>
+              <a:rPr lang="en-US" sz="1200" b="0" i="0" u="none" strike="noStrike" kern="1200" baseline="0" dirty="0" smtClean="0">
+                <a:solidFill>
+                  <a:schemeClr val="tx1"/>
+                </a:solidFill>
+                <a:latin typeface="+mn-lt"/>
+                <a:ea typeface="+mn-ea"/>
+                <a:cs typeface="+mn-cs"/>
+              </a:rPr>
+              <a:t>widget along the top or bottom is allocated a parcel just high enough to contain the widget, but occupying as much of the width of the container as possible, whereas widgets along the sides get a parcel of maximal height, but just wide enough to contain it.</a:t>
+            </a:r>
+            <a:endParaRPr lang="en-US" dirty="0" smtClean="0"/>
+          </a:p>
+          <a:p>
             <a:endParaRPr lang="en-US" dirty="0"/>
           </a:p>
         </p:txBody>
@@ -1034,6 +1532,259 @@
             <a:fld id="{5BE9B818-C9FD-4006-B50B-90DC08C31B92}" type="slidenum">
               <a:rPr lang="en-US" smtClean="0"/>
               <a:t>5</a:t>
+            </a:fld>
+            <a:endParaRPr lang="en-US"/>
+          </a:p>
+        </p:txBody>
+      </p:sp>
+    </p:spTree>
+    <p:extLst>
+      <p:ext uri="{BB962C8B-B14F-4D97-AF65-F5344CB8AC3E}">
+        <p14:creationId xmlns:p14="http://schemas.microsoft.com/office/powerpoint/2010/main" val="3324389834"/>
+      </p:ext>
+    </p:extLst>
+  </p:cSld>
+  <p:clrMapOvr>
+    <a:masterClrMapping/>
+  </p:clrMapOvr>
+</p:notes>
+</file>
+
+<file path=ppt/notesSlides/notesSlide5.xml><?xml version="1.0" encoding="utf-8"?>
+<p:notes xmlns:a="http://schemas.openxmlformats.org/drawingml/2006/main" xmlns:r="http://schemas.openxmlformats.org/officeDocument/2006/relationships" xmlns:p="http://schemas.openxmlformats.org/presentationml/2006/main">
+  <p:cSld>
+    <p:spTree>
+      <p:nvGrpSpPr>
+        <p:cNvPr id="1" name=""/>
+        <p:cNvGrpSpPr/>
+        <p:nvPr/>
+      </p:nvGrpSpPr>
+      <p:grpSpPr>
+        <a:xfrm>
+          <a:off x="0" y="0"/>
+          <a:ext cx="0" cy="0"/>
+          <a:chOff x="0" y="0"/>
+          <a:chExt cx="0" cy="0"/>
+        </a:xfrm>
+      </p:grpSpPr>
+      <p:sp>
+        <p:nvSpPr>
+          <p:cNvPr id="2" name="Slide Image Placeholder 1"/>
+          <p:cNvSpPr>
+            <a:spLocks noGrp="1" noRot="1" noChangeAspect="1"/>
+          </p:cNvSpPr>
+          <p:nvPr>
+            <p:ph type="sldImg"/>
+          </p:nvPr>
+        </p:nvSpPr>
+        <p:spPr/>
+      </p:sp>
+      <p:sp>
+        <p:nvSpPr>
+          <p:cNvPr id="3" name="Notes Placeholder 2"/>
+          <p:cNvSpPr>
+            <a:spLocks noGrp="1"/>
+          </p:cNvSpPr>
+          <p:nvPr>
+            <p:ph type="body" idx="1"/>
+          </p:nvPr>
+        </p:nvSpPr>
+        <p:spPr/>
+        <p:txBody>
+          <a:bodyPr/>
+          <a:lstStyle/>
+          <a:p>
+            <a:r>
+              <a:rPr lang="en-US" sz="1200" b="0" i="0" u="none" strike="noStrike" kern="1200" baseline="0" dirty="0" smtClean="0">
+                <a:solidFill>
+                  <a:schemeClr val="tx1"/>
+                </a:solidFill>
+                <a:latin typeface="+mn-lt"/>
+                <a:ea typeface="+mn-ea"/>
+                <a:cs typeface="+mn-cs"/>
+              </a:rPr>
+              <a:t>simple label, the following options are possible: anchor, background, font, foreground, justify, padding, relief, text, and </a:t>
+            </a:r>
+            <a:r>
+              <a:rPr lang="en-US" sz="1200" b="0" i="0" u="none" strike="noStrike" kern="1200" baseline="0" dirty="0" err="1" smtClean="0">
+                <a:solidFill>
+                  <a:schemeClr val="tx1"/>
+                </a:solidFill>
+                <a:latin typeface="+mn-lt"/>
+                <a:ea typeface="+mn-ea"/>
+                <a:cs typeface="+mn-cs"/>
+              </a:rPr>
+              <a:t>wraplength</a:t>
+            </a:r>
+            <a:r>
+              <a:rPr lang="en-US" sz="1200" b="0" i="0" u="none" strike="noStrike" kern="1200" baseline="0" dirty="0" smtClean="0">
+                <a:solidFill>
+                  <a:schemeClr val="tx1"/>
+                </a:solidFill>
+                <a:latin typeface="+mn-lt"/>
+                <a:ea typeface="+mn-ea"/>
+                <a:cs typeface="+mn-cs"/>
+              </a:rPr>
+              <a:t>. The main</a:t>
+            </a:r>
+          </a:p>
+          <a:p>
+            <a:r>
+              <a:rPr lang="en-US" sz="1200" b="0" i="0" u="none" strike="noStrike" kern="1200" baseline="0" dirty="0" smtClean="0">
+                <a:solidFill>
+                  <a:schemeClr val="tx1"/>
+                </a:solidFill>
+                <a:latin typeface="+mn-lt"/>
+                <a:ea typeface="+mn-ea"/>
+                <a:cs typeface="+mn-cs"/>
+              </a:rPr>
+              <a:t>option, text, takes a character string. The label will be multiline if it contains new line characters. The padding argument allows the specification</a:t>
+            </a:r>
+          </a:p>
+          <a:p>
+            <a:r>
+              <a:rPr lang="en-US" sz="1200" b="0" i="0" u="none" strike="noStrike" kern="1200" baseline="0" dirty="0" smtClean="0">
+                <a:solidFill>
+                  <a:schemeClr val="tx1"/>
+                </a:solidFill>
+                <a:latin typeface="+mn-lt"/>
+                <a:ea typeface="+mn-ea"/>
+                <a:cs typeface="+mn-cs"/>
+              </a:rPr>
+              <a:t>of space in pixels between the text of the label and the widget boundary. This may be set as four values (left, top, right, bottom), or fewer,</a:t>
+            </a:r>
+          </a:p>
+          <a:p>
+            <a:r>
+              <a:rPr lang="en-US" sz="1200" b="0" i="0" u="none" strike="noStrike" kern="1200" baseline="0" dirty="0" smtClean="0">
+                <a:solidFill>
+                  <a:schemeClr val="tx1"/>
+                </a:solidFill>
+                <a:latin typeface="+mn-lt"/>
+                <a:ea typeface="+mn-ea"/>
+                <a:cs typeface="+mn-cs"/>
+              </a:rPr>
+              <a:t>with bottom defaulting to top, right to left, and top to left. The relief argument specifies how a 3-D effect around the label should look, if specified.</a:t>
+            </a:r>
+          </a:p>
+          <a:p>
+            <a:r>
+              <a:rPr lang="en-US" sz="1200" b="0" i="0" u="none" strike="noStrike" kern="1200" baseline="0" dirty="0" smtClean="0">
+                <a:solidFill>
+                  <a:schemeClr val="tx1"/>
+                </a:solidFill>
+                <a:latin typeface="+mn-lt"/>
+                <a:ea typeface="+mn-ea"/>
+                <a:cs typeface="+mn-cs"/>
+              </a:rPr>
+              <a:t>Possible values are "flat", "groove", "raised", "ridge", "solid", and "sunken".</a:t>
+            </a:r>
+            <a:endParaRPr lang="en-US" dirty="0"/>
+          </a:p>
+        </p:txBody>
+      </p:sp>
+      <p:sp>
+        <p:nvSpPr>
+          <p:cNvPr id="4" name="Slide Number Placeholder 3"/>
+          <p:cNvSpPr>
+            <a:spLocks noGrp="1"/>
+          </p:cNvSpPr>
+          <p:nvPr>
+            <p:ph type="sldNum" sz="quarter" idx="10"/>
+          </p:nvPr>
+        </p:nvSpPr>
+        <p:spPr/>
+        <p:txBody>
+          <a:bodyPr/>
+          <a:lstStyle/>
+          <a:p>
+            <a:fld id="{5BE9B818-C9FD-4006-B50B-90DC08C31B92}" type="slidenum">
+              <a:rPr lang="en-US" smtClean="0"/>
+              <a:t>6</a:t>
+            </a:fld>
+            <a:endParaRPr lang="en-US"/>
+          </a:p>
+        </p:txBody>
+      </p:sp>
+    </p:spTree>
+    <p:extLst>
+      <p:ext uri="{BB962C8B-B14F-4D97-AF65-F5344CB8AC3E}">
+        <p14:creationId xmlns:p14="http://schemas.microsoft.com/office/powerpoint/2010/main" val="1506715935"/>
+      </p:ext>
+    </p:extLst>
+  </p:cSld>
+  <p:clrMapOvr>
+    <a:masterClrMapping/>
+  </p:clrMapOvr>
+</p:notes>
+</file>
+
+<file path=ppt/notesSlides/notesSlide6.xml><?xml version="1.0" encoding="utf-8"?>
+<p:notes xmlns:a="http://schemas.openxmlformats.org/drawingml/2006/main" xmlns:r="http://schemas.openxmlformats.org/officeDocument/2006/relationships" xmlns:p="http://schemas.openxmlformats.org/presentationml/2006/main">
+  <p:cSld>
+    <p:spTree>
+      <p:nvGrpSpPr>
+        <p:cNvPr id="1" name=""/>
+        <p:cNvGrpSpPr/>
+        <p:nvPr/>
+      </p:nvGrpSpPr>
+      <p:grpSpPr>
+        <a:xfrm>
+          <a:off x="0" y="0"/>
+          <a:ext cx="0" cy="0"/>
+          <a:chOff x="0" y="0"/>
+          <a:chExt cx="0" cy="0"/>
+        </a:xfrm>
+      </p:grpSpPr>
+      <p:sp>
+        <p:nvSpPr>
+          <p:cNvPr id="2" name="Slide Image Placeholder 1"/>
+          <p:cNvSpPr>
+            <a:spLocks noGrp="1" noRot="1" noChangeAspect="1"/>
+          </p:cNvSpPr>
+          <p:nvPr>
+            <p:ph type="sldImg"/>
+          </p:nvPr>
+        </p:nvSpPr>
+        <p:spPr/>
+      </p:sp>
+      <p:sp>
+        <p:nvSpPr>
+          <p:cNvPr id="3" name="Notes Placeholder 2"/>
+          <p:cNvSpPr>
+            <a:spLocks noGrp="1"/>
+          </p:cNvSpPr>
+          <p:nvPr>
+            <p:ph type="body" idx="1"/>
+          </p:nvPr>
+        </p:nvSpPr>
+        <p:spPr/>
+        <p:txBody>
+          <a:bodyPr/>
+          <a:lstStyle/>
+          <a:p>
+            <a:endParaRPr lang="en-US" dirty="0"/>
+          </a:p>
+        </p:txBody>
+      </p:sp>
+      <p:sp>
+        <p:nvSpPr>
+          <p:cNvPr id="4" name="Slide Number Placeholder 3"/>
+          <p:cNvSpPr>
+            <a:spLocks noGrp="1"/>
+          </p:cNvSpPr>
+          <p:nvPr>
+            <p:ph type="sldNum" sz="quarter" idx="10"/>
+          </p:nvPr>
+        </p:nvSpPr>
+        <p:spPr/>
+        <p:txBody>
+          <a:bodyPr/>
+          <a:lstStyle/>
+          <a:p>
+            <a:fld id="{5BE9B818-C9FD-4006-B50B-90DC08C31B92}" type="slidenum">
+              <a:rPr lang="en-US" smtClean="0"/>
+              <a:t>7</a:t>
             </a:fld>
             <a:endParaRPr lang="en-US"/>
           </a:p>
@@ -1234,7 +1985,7 @@
             <a:fld id="{1D8BD707-D9CF-40AE-B4C6-C98DA3205C09}" type="datetimeFigureOut">
               <a:rPr lang="en-US" smtClean="0"/>
               <a:pPr/>
-              <a:t>10/14/2014</a:t>
+              <a:t>10/16/2014</a:t>
             </a:fld>
             <a:endParaRPr lang="en-US"/>
           </a:p>
@@ -1401,7 +2152,7 @@
             <a:fld id="{1D8BD707-D9CF-40AE-B4C6-C98DA3205C09}" type="datetimeFigureOut">
               <a:rPr lang="en-US" smtClean="0"/>
               <a:pPr/>
-              <a:t>10/14/2014</a:t>
+              <a:t>10/16/2014</a:t>
             </a:fld>
             <a:endParaRPr lang="en-US"/>
           </a:p>
@@ -1578,7 +2329,7 @@
             <a:fld id="{1D8BD707-D9CF-40AE-B4C6-C98DA3205C09}" type="datetimeFigureOut">
               <a:rPr lang="en-US" smtClean="0"/>
               <a:pPr/>
-              <a:t>10/14/2014</a:t>
+              <a:t>10/16/2014</a:t>
             </a:fld>
             <a:endParaRPr lang="en-US"/>
           </a:p>
@@ -1745,7 +2496,7 @@
             <a:fld id="{1D8BD707-D9CF-40AE-B4C6-C98DA3205C09}" type="datetimeFigureOut">
               <a:rPr lang="en-US" smtClean="0"/>
               <a:pPr/>
-              <a:t>10/14/2014</a:t>
+              <a:t>10/16/2014</a:t>
             </a:fld>
             <a:endParaRPr lang="en-US"/>
           </a:p>
@@ -1988,7 +2739,7 @@
             <a:fld id="{1D8BD707-D9CF-40AE-B4C6-C98DA3205C09}" type="datetimeFigureOut">
               <a:rPr lang="en-US" smtClean="0"/>
               <a:pPr/>
-              <a:t>10/14/2014</a:t>
+              <a:t>10/16/2014</a:t>
             </a:fld>
             <a:endParaRPr lang="en-US"/>
           </a:p>
@@ -2273,7 +3024,7 @@
             <a:fld id="{1D8BD707-D9CF-40AE-B4C6-C98DA3205C09}" type="datetimeFigureOut">
               <a:rPr lang="en-US" smtClean="0"/>
               <a:pPr/>
-              <a:t>10/14/2014</a:t>
+              <a:t>10/16/2014</a:t>
             </a:fld>
             <a:endParaRPr lang="en-US"/>
           </a:p>
@@ -2692,7 +3443,7 @@
             <a:fld id="{1D8BD707-D9CF-40AE-B4C6-C98DA3205C09}" type="datetimeFigureOut">
               <a:rPr lang="en-US" smtClean="0"/>
               <a:pPr/>
-              <a:t>10/14/2014</a:t>
+              <a:t>10/16/2014</a:t>
             </a:fld>
             <a:endParaRPr lang="en-US"/>
           </a:p>
@@ -2807,7 +3558,7 @@
             <a:fld id="{1D8BD707-D9CF-40AE-B4C6-C98DA3205C09}" type="datetimeFigureOut">
               <a:rPr lang="en-US" smtClean="0"/>
               <a:pPr/>
-              <a:t>10/14/2014</a:t>
+              <a:t>10/16/2014</a:t>
             </a:fld>
             <a:endParaRPr lang="en-US"/>
           </a:p>
@@ -2899,7 +3650,7 @@
             <a:fld id="{1D8BD707-D9CF-40AE-B4C6-C98DA3205C09}" type="datetimeFigureOut">
               <a:rPr lang="en-US" smtClean="0"/>
               <a:pPr/>
-              <a:t>10/14/2014</a:t>
+              <a:t>10/16/2014</a:t>
             </a:fld>
             <a:endParaRPr lang="en-US"/>
           </a:p>
@@ -3173,7 +3924,7 @@
             <a:fld id="{1D8BD707-D9CF-40AE-B4C6-C98DA3205C09}" type="datetimeFigureOut">
               <a:rPr lang="en-US" smtClean="0"/>
               <a:pPr/>
-              <a:t>10/14/2014</a:t>
+              <a:t>10/16/2014</a:t>
             </a:fld>
             <a:endParaRPr lang="en-US"/>
           </a:p>
@@ -3423,7 +4174,7 @@
             <a:fld id="{1D8BD707-D9CF-40AE-B4C6-C98DA3205C09}" type="datetimeFigureOut">
               <a:rPr lang="en-US" smtClean="0"/>
               <a:pPr/>
-              <a:t>10/14/2014</a:t>
+              <a:t>10/16/2014</a:t>
             </a:fld>
             <a:endParaRPr lang="en-US"/>
           </a:p>
@@ -3633,7 +4384,7 @@
             <a:fld id="{1D8BD707-D9CF-40AE-B4C6-C98DA3205C09}" type="datetimeFigureOut">
               <a:rPr lang="en-US" smtClean="0"/>
               <a:pPr/>
-              <a:t>10/14/2014</a:t>
+              <a:t>10/16/2014</a:t>
             </a:fld>
             <a:endParaRPr lang="en-US"/>
           </a:p>
@@ -4310,7 +5061,12 @@
             <p:ph idx="1"/>
           </p:nvPr>
         </p:nvSpPr>
-        <p:spPr/>
+        <p:spPr>
+          <a:xfrm>
+            <a:off x="457200" y="1295400"/>
+            <a:ext cx="8229600" cy="4297363"/>
+          </a:xfrm>
+        </p:spPr>
         <p:txBody>
           <a:bodyPr>
             <a:normAutofit/>
@@ -4468,142 +5224,14 @@
       </p:grpSpPr>
       <p:sp>
         <p:nvSpPr>
-          <p:cNvPr id="2" name="Title 1"/>
-          <p:cNvSpPr>
-            <a:spLocks noGrp="1"/>
-          </p:cNvSpPr>
-          <p:nvPr>
-            <p:ph type="title"/>
-          </p:nvPr>
-        </p:nvSpPr>
-        <p:spPr/>
-        <p:txBody>
-          <a:bodyPr>
-            <a:normAutofit fontScale="90000"/>
-          </a:bodyPr>
-          <a:lstStyle/>
-          <a:p>
-            <a:r>
-              <a:rPr lang="en-US" b="1" dirty="0"/>
-              <a:t>Widgets</a:t>
-            </a:r>
-            <a:br>
-              <a:rPr lang="en-US" b="1" dirty="0"/>
-            </a:br>
-            <a:endParaRPr lang="en-US" dirty="0"/>
-          </a:p>
-        </p:txBody>
-      </p:sp>
-      <p:sp>
-        <p:nvSpPr>
-          <p:cNvPr id="3" name="Content Placeholder 2"/>
-          <p:cNvSpPr>
-            <a:spLocks noGrp="1"/>
-          </p:cNvSpPr>
-          <p:nvPr>
-            <p:ph idx="1"/>
-          </p:nvPr>
+          <p:cNvPr id="2" name="TextBox 1"/>
+          <p:cNvSpPr txBox="1"/>
+          <p:nvPr/>
         </p:nvSpPr>
         <p:spPr>
           <a:xfrm>
-            <a:off x="457200" y="1219200"/>
-            <a:ext cx="8229600" cy="4906963"/>
-          </a:xfrm>
-        </p:spPr>
-        <p:txBody>
-          <a:bodyPr>
-            <a:normAutofit/>
-          </a:bodyPr>
-          <a:lstStyle/>
-          <a:p>
-            <a:pPr marL="0" indent="0">
-              <a:buNone/>
-            </a:pPr>
-            <a:r>
-              <a:rPr lang="en-US" dirty="0" smtClean="0"/>
-              <a:t>A </a:t>
-            </a:r>
-            <a:r>
-              <a:rPr lang="en-US" dirty="0"/>
-              <a:t>widget is a GUI </a:t>
-            </a:r>
-            <a:r>
-              <a:rPr lang="en-US" dirty="0" smtClean="0"/>
-              <a:t>element, like </a:t>
-            </a:r>
-            <a:r>
-              <a:rPr lang="en-US" dirty="0"/>
-              <a:t>buttons, scrollbars, text areas etc.</a:t>
-            </a:r>
-            <a:endParaRPr lang="en-US" dirty="0" smtClean="0"/>
-          </a:p>
-          <a:p>
-            <a:pPr marL="0" indent="0">
-              <a:buNone/>
-            </a:pPr>
-            <a:r>
-              <a:rPr lang="en-US" dirty="0" smtClean="0"/>
-              <a:t>Tk </a:t>
-            </a:r>
-            <a:r>
-              <a:rPr lang="en-US" dirty="0"/>
-              <a:t>comes with a </a:t>
-            </a:r>
-            <a:r>
-              <a:rPr lang="en-US" dirty="0" smtClean="0"/>
-              <a:t>selection of </a:t>
-            </a:r>
-            <a:r>
-              <a:rPr lang="en-US" dirty="0"/>
-              <a:t>basic widgets: </a:t>
-            </a:r>
-            <a:endParaRPr lang="en-US" dirty="0" smtClean="0"/>
-          </a:p>
-          <a:p>
-            <a:pPr marL="0" indent="0">
-              <a:buNone/>
-            </a:pPr>
-            <a:endParaRPr lang="en-US" dirty="0" smtClean="0"/>
-          </a:p>
-          <a:p>
-            <a:pPr marL="0" indent="0">
-              <a:buNone/>
-            </a:pPr>
-            <a:endParaRPr lang="en-US" dirty="0"/>
-          </a:p>
-          <a:p>
-            <a:pPr marL="0" indent="0">
-              <a:buNone/>
-            </a:pPr>
-            <a:r>
-              <a:rPr lang="en-US" dirty="0" smtClean="0"/>
-              <a:t>These </a:t>
-            </a:r>
-            <a:r>
-              <a:rPr lang="en-US" dirty="0"/>
-              <a:t>can be </a:t>
-            </a:r>
-            <a:r>
-              <a:rPr lang="en-US" dirty="0" smtClean="0"/>
-              <a:t>combined to </a:t>
-            </a:r>
-            <a:r>
-              <a:rPr lang="en-US" dirty="0"/>
-              <a:t>form more complex GUI applications.</a:t>
-            </a:r>
-          </a:p>
-        </p:txBody>
-      </p:sp>
-      <p:sp>
-        <p:nvSpPr>
-          <p:cNvPr id="4" name="TextBox 3"/>
-          <p:cNvSpPr txBox="1"/>
-          <p:nvPr/>
-        </p:nvSpPr>
-        <p:spPr>
-          <a:xfrm>
-            <a:off x="512618" y="2743200"/>
-            <a:ext cx="7924800" cy="2585323"/>
+            <a:off x="762000" y="838200"/>
+            <a:ext cx="7620000" cy="923330"/>
           </a:xfrm>
           <a:prstGeom prst="rect">
             <a:avLst/>
@@ -4611,137 +5239,38 @@
           <a:noFill/>
         </p:spPr>
         <p:txBody>
-          <a:bodyPr wrap="square" numCol="2" rtlCol="0">
+          <a:bodyPr wrap="square" rtlCol="0">
             <a:spAutoFit/>
           </a:bodyPr>
           <a:lstStyle/>
           <a:p>
-            <a:pPr marL="285750" indent="-285750">
-              <a:buFont typeface="Arial" panose="020B0604020202020204" pitchFamily="34" charset="0"/>
-              <a:buChar char="•"/>
-            </a:pPr>
-            <a:r>
-              <a:rPr lang="en-US" sz="2000" dirty="0"/>
-              <a:t>text editing windows</a:t>
-            </a:r>
-          </a:p>
-          <a:p>
-            <a:pPr marL="285750" indent="-285750">
-              <a:buFont typeface="Arial" panose="020B0604020202020204" pitchFamily="34" charset="0"/>
-              <a:buChar char="•"/>
-            </a:pPr>
-            <a:r>
-              <a:rPr lang="en-US" sz="2000" dirty="0"/>
-              <a:t>Sliders</a:t>
-            </a:r>
-          </a:p>
-          <a:p>
-            <a:pPr marL="285750" indent="-285750">
-              <a:buFont typeface="Arial" panose="020B0604020202020204" pitchFamily="34" charset="0"/>
-              <a:buChar char="•"/>
-            </a:pPr>
-            <a:r>
-              <a:rPr lang="en-US" sz="2000" dirty="0"/>
-              <a:t>text entry </a:t>
-            </a:r>
-            <a:r>
-              <a:rPr lang="en-US" sz="2000" dirty="0" smtClean="0"/>
-              <a:t>fields</a:t>
-            </a:r>
-          </a:p>
-          <a:p>
-            <a:pPr marL="285750" indent="-285750">
-              <a:buFont typeface="Arial" panose="020B0604020202020204" pitchFamily="34" charset="0"/>
-              <a:buChar char="•"/>
-            </a:pPr>
-            <a:r>
-              <a:rPr lang="en-US" sz="2000" dirty="0" smtClean="0"/>
-              <a:t>Buttons</a:t>
-            </a:r>
-          </a:p>
-          <a:p>
-            <a:pPr marL="285750" indent="-285750">
-              <a:buFont typeface="Arial" panose="020B0604020202020204" pitchFamily="34" charset="0"/>
-              <a:buChar char="•"/>
-            </a:pPr>
-            <a:endParaRPr lang="en-US" sz="2000" dirty="0"/>
-          </a:p>
-          <a:p>
-            <a:pPr marL="285750" indent="-285750">
-              <a:buFont typeface="Arial" panose="020B0604020202020204" pitchFamily="34" charset="0"/>
-              <a:buChar char="•"/>
-            </a:pPr>
-            <a:endParaRPr lang="en-US" sz="2000" dirty="0" smtClean="0"/>
-          </a:p>
-          <a:p>
-            <a:pPr marL="285750" indent="-285750">
-              <a:buFont typeface="Arial" panose="020B0604020202020204" pitchFamily="34" charset="0"/>
-              <a:buChar char="•"/>
-            </a:pPr>
-            <a:endParaRPr lang="en-US" sz="2000" dirty="0"/>
-          </a:p>
-          <a:p>
-            <a:endParaRPr lang="en-US" sz="2000" dirty="0" smtClean="0"/>
-          </a:p>
-          <a:p>
-            <a:pPr marL="285750" indent="-285750">
-              <a:buFont typeface="Arial" panose="020B0604020202020204" pitchFamily="34" charset="0"/>
-              <a:buChar char="•"/>
-            </a:pPr>
-            <a:r>
-              <a:rPr lang="en-US" sz="2000" dirty="0" smtClean="0"/>
-              <a:t>Labels</a:t>
-            </a:r>
-            <a:endParaRPr lang="en-US" sz="2000" dirty="0"/>
-          </a:p>
-          <a:p>
-            <a:pPr marL="285750" indent="-285750">
-              <a:buFont typeface="Arial" panose="020B0604020202020204" pitchFamily="34" charset="0"/>
-              <a:buChar char="•"/>
-            </a:pPr>
-            <a:r>
-              <a:rPr lang="en-US" sz="2000" dirty="0"/>
-              <a:t>Menus</a:t>
-            </a:r>
-          </a:p>
-          <a:p>
-            <a:pPr marL="285750" indent="-285750">
-              <a:buFont typeface="Arial" panose="020B0604020202020204" pitchFamily="34" charset="0"/>
-              <a:buChar char="•"/>
-            </a:pPr>
-            <a:r>
-              <a:rPr lang="en-US" sz="2000" dirty="0"/>
-              <a:t>list boxes</a:t>
-            </a:r>
-          </a:p>
-          <a:p>
-            <a:pPr marL="285750" indent="-285750">
-              <a:buFont typeface="Arial" panose="020B0604020202020204" pitchFamily="34" charset="0"/>
-              <a:buChar char="•"/>
-            </a:pPr>
-            <a:r>
-              <a:rPr lang="en-US" sz="2000" dirty="0"/>
-              <a:t>canvas for drawing </a:t>
-            </a:r>
-            <a:r>
-              <a:rPr lang="en-US" sz="2000" dirty="0" smtClean="0"/>
-              <a:t>graphics </a:t>
-            </a:r>
-            <a:endParaRPr lang="en-US" sz="2000" dirty="0"/>
-          </a:p>
-          <a:p>
-            <a:pPr marL="285750" indent="-285750">
-              <a:buFont typeface="Arial" panose="020B0604020202020204" pitchFamily="34" charset="0"/>
-              <a:buChar char="•"/>
-            </a:pPr>
-            <a:endParaRPr lang="en-US" sz="2000" dirty="0"/>
+            <a:r>
+              <a:rPr lang="en-US" dirty="0"/>
+              <a:t>The most usual case for building a R GUI using **</a:t>
+            </a:r>
+            <a:r>
+              <a:rPr lang="en-US" dirty="0" err="1"/>
+              <a:t>tcltk</a:t>
+            </a:r>
+            <a:r>
+              <a:rPr lang="en-US" dirty="0"/>
+              <a:t>** is to defines a top-level window </a:t>
+            </a:r>
+            <a:r>
+              <a:rPr lang="en-US" dirty="0" smtClean="0"/>
+              <a:t>first </a:t>
+            </a:r>
+            <a:r>
+              <a:rPr lang="en-US" dirty="0"/>
+              <a:t>and the second an underlying frame container. We then define and place the widgets.</a:t>
+            </a:r>
           </a:p>
         </p:txBody>
       </p:sp>
     </p:spTree>
     <p:extLst>
       <p:ext uri="{BB962C8B-B14F-4D97-AF65-F5344CB8AC3E}">
-        <p14:creationId xmlns:p14="http://schemas.microsoft.com/office/powerpoint/2010/main" val="2718867758"/>
+        <p14:creationId xmlns:p14="http://schemas.microsoft.com/office/powerpoint/2010/main" val="1305968961"/>
       </p:ext>
     </p:extLst>
   </p:cSld>
@@ -4780,6 +5309,418 @@
         </p:nvSpPr>
         <p:spPr/>
         <p:txBody>
+          <a:bodyPr>
+            <a:normAutofit fontScale="90000"/>
+          </a:bodyPr>
+          <a:lstStyle/>
+          <a:p>
+            <a:r>
+              <a:rPr lang="en-US" b="1" dirty="0"/>
+              <a:t>Widgets</a:t>
+            </a:r>
+            <a:br>
+              <a:rPr lang="en-US" b="1" dirty="0"/>
+            </a:br>
+            <a:endParaRPr lang="en-US" dirty="0"/>
+          </a:p>
+        </p:txBody>
+      </p:sp>
+      <p:sp>
+        <p:nvSpPr>
+          <p:cNvPr id="3" name="Content Placeholder 2"/>
+          <p:cNvSpPr>
+            <a:spLocks noGrp="1"/>
+          </p:cNvSpPr>
+          <p:nvPr>
+            <p:ph idx="1"/>
+          </p:nvPr>
+        </p:nvSpPr>
+        <p:spPr>
+          <a:xfrm>
+            <a:off x="457200" y="1219200"/>
+            <a:ext cx="8229600" cy="4906963"/>
+          </a:xfrm>
+        </p:spPr>
+        <p:txBody>
+          <a:bodyPr>
+            <a:normAutofit/>
+          </a:bodyPr>
+          <a:lstStyle/>
+          <a:p>
+            <a:pPr marL="0" indent="0">
+              <a:buNone/>
+            </a:pPr>
+            <a:r>
+              <a:rPr lang="en-US" dirty="0" smtClean="0"/>
+              <a:t>A </a:t>
+            </a:r>
+            <a:r>
+              <a:rPr lang="en-US" dirty="0"/>
+              <a:t>widget is a GUI </a:t>
+            </a:r>
+            <a:r>
+              <a:rPr lang="en-US" dirty="0" smtClean="0"/>
+              <a:t>element, like </a:t>
+            </a:r>
+            <a:r>
+              <a:rPr lang="en-US" dirty="0"/>
+              <a:t>buttons, scrollbars, text areas etc.</a:t>
+            </a:r>
+            <a:endParaRPr lang="en-US" dirty="0" smtClean="0"/>
+          </a:p>
+          <a:p>
+            <a:pPr marL="0" indent="0">
+              <a:buNone/>
+            </a:pPr>
+            <a:r>
+              <a:rPr lang="en-US" dirty="0" smtClean="0"/>
+              <a:t>Tk </a:t>
+            </a:r>
+            <a:r>
+              <a:rPr lang="en-US" dirty="0"/>
+              <a:t>comes with a </a:t>
+            </a:r>
+            <a:r>
+              <a:rPr lang="en-US" dirty="0" smtClean="0"/>
+              <a:t>selection of </a:t>
+            </a:r>
+            <a:r>
+              <a:rPr lang="en-US" dirty="0"/>
+              <a:t>basic widgets: </a:t>
+            </a:r>
+            <a:endParaRPr lang="en-US" dirty="0" smtClean="0"/>
+          </a:p>
+          <a:p>
+            <a:pPr marL="0" indent="0">
+              <a:buNone/>
+            </a:pPr>
+            <a:endParaRPr lang="en-US" dirty="0" smtClean="0"/>
+          </a:p>
+          <a:p>
+            <a:pPr marL="0" indent="0">
+              <a:buNone/>
+            </a:pPr>
+            <a:endParaRPr lang="en-US" dirty="0"/>
+          </a:p>
+          <a:p>
+            <a:pPr marL="0" indent="0">
+              <a:buNone/>
+            </a:pPr>
+            <a:r>
+              <a:rPr lang="en-US" dirty="0"/>
+              <a:t>basic widgets – labels, entry </a:t>
+            </a:r>
+            <a:r>
+              <a:rPr lang="en-US" dirty="0" smtClean="0"/>
+              <a:t>widgets, and buttons. </a:t>
+            </a:r>
+            <a:r>
+              <a:rPr lang="en-US" dirty="0" smtClean="0"/>
+              <a:t>These </a:t>
+            </a:r>
+            <a:r>
+              <a:rPr lang="en-US" dirty="0"/>
+              <a:t>can be </a:t>
+            </a:r>
+            <a:r>
+              <a:rPr lang="en-US" dirty="0" smtClean="0"/>
+              <a:t>combined to </a:t>
+            </a:r>
+            <a:r>
+              <a:rPr lang="en-US" dirty="0"/>
+              <a:t>form more complex GUI applications.</a:t>
+            </a:r>
+          </a:p>
+        </p:txBody>
+      </p:sp>
+      <p:sp>
+        <p:nvSpPr>
+          <p:cNvPr id="4" name="TextBox 3"/>
+          <p:cNvSpPr txBox="1"/>
+          <p:nvPr/>
+        </p:nvSpPr>
+        <p:spPr>
+          <a:xfrm>
+            <a:off x="512618" y="2743200"/>
+            <a:ext cx="7924800" cy="2585323"/>
+          </a:xfrm>
+          <a:prstGeom prst="rect">
+            <a:avLst/>
+          </a:prstGeom>
+          <a:noFill/>
+        </p:spPr>
+        <p:txBody>
+          <a:bodyPr wrap="square" numCol="2" rtlCol="0">
+            <a:spAutoFit/>
+          </a:bodyPr>
+          <a:lstStyle/>
+          <a:p>
+            <a:pPr marL="285750" indent="-285750">
+              <a:buFont typeface="Arial" panose="020B0604020202020204" pitchFamily="34" charset="0"/>
+              <a:buChar char="•"/>
+            </a:pPr>
+            <a:r>
+              <a:rPr lang="en-US" sz="2000" dirty="0"/>
+              <a:t>text editing windows</a:t>
+            </a:r>
+          </a:p>
+          <a:p>
+            <a:pPr marL="285750" indent="-285750">
+              <a:buFont typeface="Arial" panose="020B0604020202020204" pitchFamily="34" charset="0"/>
+              <a:buChar char="•"/>
+            </a:pPr>
+            <a:r>
+              <a:rPr lang="en-US" sz="2000" dirty="0"/>
+              <a:t>Sliders</a:t>
+            </a:r>
+          </a:p>
+          <a:p>
+            <a:pPr marL="285750" indent="-285750">
+              <a:buFont typeface="Arial" panose="020B0604020202020204" pitchFamily="34" charset="0"/>
+              <a:buChar char="•"/>
+            </a:pPr>
+            <a:r>
+              <a:rPr lang="en-US" sz="2000" dirty="0"/>
+              <a:t>text entry </a:t>
+            </a:r>
+            <a:r>
+              <a:rPr lang="en-US" sz="2000" dirty="0" smtClean="0"/>
+              <a:t>fields</a:t>
+            </a:r>
+          </a:p>
+          <a:p>
+            <a:pPr marL="285750" indent="-285750">
+              <a:buFont typeface="Arial" panose="020B0604020202020204" pitchFamily="34" charset="0"/>
+              <a:buChar char="•"/>
+            </a:pPr>
+            <a:r>
+              <a:rPr lang="en-US" sz="2000" dirty="0" smtClean="0"/>
+              <a:t>Buttons</a:t>
+            </a:r>
+          </a:p>
+          <a:p>
+            <a:pPr marL="285750" indent="-285750">
+              <a:buFont typeface="Arial" panose="020B0604020202020204" pitchFamily="34" charset="0"/>
+              <a:buChar char="•"/>
+            </a:pPr>
+            <a:endParaRPr lang="en-US" sz="2000" dirty="0"/>
+          </a:p>
+          <a:p>
+            <a:endParaRPr lang="en-US" sz="2000" dirty="0" smtClean="0"/>
+          </a:p>
+          <a:p>
+            <a:pPr marL="285750" indent="-285750">
+              <a:buFont typeface="Arial" panose="020B0604020202020204" pitchFamily="34" charset="0"/>
+              <a:buChar char="•"/>
+            </a:pPr>
+            <a:endParaRPr lang="en-US" sz="2000" dirty="0"/>
+          </a:p>
+          <a:p>
+            <a:endParaRPr lang="en-US" sz="2000" dirty="0" smtClean="0"/>
+          </a:p>
+          <a:p>
+            <a:pPr marL="285750" indent="-285750">
+              <a:buFont typeface="Arial" panose="020B0604020202020204" pitchFamily="34" charset="0"/>
+              <a:buChar char="•"/>
+            </a:pPr>
+            <a:r>
+              <a:rPr lang="en-US" sz="2000" dirty="0" smtClean="0"/>
+              <a:t>Labels</a:t>
+            </a:r>
+            <a:endParaRPr lang="en-US" sz="2000" dirty="0"/>
+          </a:p>
+          <a:p>
+            <a:pPr marL="285750" indent="-285750">
+              <a:buFont typeface="Arial" panose="020B0604020202020204" pitchFamily="34" charset="0"/>
+              <a:buChar char="•"/>
+            </a:pPr>
+            <a:r>
+              <a:rPr lang="en-US" sz="2000" dirty="0"/>
+              <a:t>Menus</a:t>
+            </a:r>
+          </a:p>
+          <a:p>
+            <a:pPr marL="285750" indent="-285750">
+              <a:buFont typeface="Arial" panose="020B0604020202020204" pitchFamily="34" charset="0"/>
+              <a:buChar char="•"/>
+            </a:pPr>
+            <a:r>
+              <a:rPr lang="en-US" sz="2000" dirty="0"/>
+              <a:t>list boxes</a:t>
+            </a:r>
+          </a:p>
+          <a:p>
+            <a:pPr marL="285750" indent="-285750">
+              <a:buFont typeface="Arial" panose="020B0604020202020204" pitchFamily="34" charset="0"/>
+              <a:buChar char="•"/>
+            </a:pPr>
+            <a:r>
+              <a:rPr lang="en-US" sz="2000" dirty="0"/>
+              <a:t>canvas for drawing </a:t>
+            </a:r>
+            <a:r>
+              <a:rPr lang="en-US" sz="2000" dirty="0" smtClean="0"/>
+              <a:t>graphics </a:t>
+            </a:r>
+            <a:endParaRPr lang="en-US" sz="2000" dirty="0"/>
+          </a:p>
+          <a:p>
+            <a:pPr marL="285750" indent="-285750">
+              <a:buFont typeface="Arial" panose="020B0604020202020204" pitchFamily="34" charset="0"/>
+              <a:buChar char="•"/>
+            </a:pPr>
+            <a:endParaRPr lang="en-US" sz="2000" dirty="0"/>
+          </a:p>
+        </p:txBody>
+      </p:sp>
+    </p:spTree>
+    <p:extLst>
+      <p:ext uri="{BB962C8B-B14F-4D97-AF65-F5344CB8AC3E}">
+        <p14:creationId xmlns:p14="http://schemas.microsoft.com/office/powerpoint/2010/main" val="2718867758"/>
+      </p:ext>
+    </p:extLst>
+  </p:cSld>
+  <p:clrMapOvr>
+    <a:masterClrMapping/>
+  </p:clrMapOvr>
+</p:sld>
+</file>
+
+<file path=ppt/slides/slide6.xml><?xml version="1.0" encoding="utf-8"?>
+<p:sld xmlns:a="http://schemas.openxmlformats.org/drawingml/2006/main" xmlns:r="http://schemas.openxmlformats.org/officeDocument/2006/relationships" xmlns:p="http://schemas.openxmlformats.org/presentationml/2006/main">
+  <p:cSld>
+    <p:spTree>
+      <p:nvGrpSpPr>
+        <p:cNvPr id="1" name=""/>
+        <p:cNvGrpSpPr/>
+        <p:nvPr/>
+      </p:nvGrpSpPr>
+      <p:grpSpPr>
+        <a:xfrm>
+          <a:off x="0" y="0"/>
+          <a:ext cx="0" cy="0"/>
+          <a:chOff x="0" y="0"/>
+          <a:chExt cx="0" cy="0"/>
+        </a:xfrm>
+      </p:grpSpPr>
+      <p:sp>
+        <p:nvSpPr>
+          <p:cNvPr id="2" name="TextBox 1"/>
+          <p:cNvSpPr txBox="1"/>
+          <p:nvPr/>
+        </p:nvSpPr>
+        <p:spPr>
+          <a:xfrm>
+            <a:off x="838200" y="685800"/>
+            <a:ext cx="5562600" cy="1938992"/>
+          </a:xfrm>
+          <a:prstGeom prst="rect">
+            <a:avLst/>
+          </a:prstGeom>
+          <a:noFill/>
+        </p:spPr>
+        <p:txBody>
+          <a:bodyPr wrap="square" rtlCol="0">
+            <a:spAutoFit/>
+          </a:bodyPr>
+          <a:lstStyle/>
+          <a:p>
+            <a:r>
+              <a:rPr lang="en-US" sz="2400" b="1" dirty="0" smtClean="0"/>
+              <a:t>Label :    </a:t>
+            </a:r>
+            <a:r>
+              <a:rPr lang="en-US" sz="2400" dirty="0" err="1"/>
+              <a:t>t</a:t>
+            </a:r>
+            <a:r>
+              <a:rPr lang="en-US" sz="2400" dirty="0" err="1" smtClean="0"/>
+              <a:t>tklabel</a:t>
+            </a:r>
+            <a:r>
+              <a:rPr lang="en-US" sz="2400" dirty="0" smtClean="0"/>
+              <a:t>()</a:t>
+            </a:r>
+          </a:p>
+          <a:p>
+            <a:endParaRPr lang="en-US" sz="2400" dirty="0"/>
+          </a:p>
+          <a:p>
+            <a:r>
+              <a:rPr lang="en-US" sz="2400" dirty="0" smtClean="0"/>
+              <a:t>Entry: </a:t>
+            </a:r>
+            <a:r>
+              <a:rPr lang="en-US" sz="2400" dirty="0" err="1" smtClean="0"/>
+              <a:t>tkentry</a:t>
+            </a:r>
+            <a:r>
+              <a:rPr lang="en-US" sz="2400" dirty="0" smtClean="0"/>
+              <a:t>()</a:t>
+            </a:r>
+          </a:p>
+          <a:p>
+            <a:endParaRPr lang="en-US" sz="2400" dirty="0"/>
+          </a:p>
+          <a:p>
+            <a:r>
+              <a:rPr lang="en-US" sz="2400" dirty="0" smtClean="0"/>
+              <a:t>Button: </a:t>
+            </a:r>
+            <a:r>
+              <a:rPr lang="en-US" sz="2400" dirty="0" err="1" smtClean="0"/>
+              <a:t>tkbutton</a:t>
+            </a:r>
+            <a:r>
+              <a:rPr lang="en-US" sz="2400" dirty="0" smtClean="0"/>
+              <a:t>()</a:t>
+            </a:r>
+            <a:endParaRPr lang="en-US" sz="2400" dirty="0"/>
+          </a:p>
+        </p:txBody>
+      </p:sp>
+    </p:spTree>
+    <p:extLst>
+      <p:ext uri="{BB962C8B-B14F-4D97-AF65-F5344CB8AC3E}">
+        <p14:creationId xmlns:p14="http://schemas.microsoft.com/office/powerpoint/2010/main" val="236771599"/>
+      </p:ext>
+    </p:extLst>
+  </p:cSld>
+  <p:clrMapOvr>
+    <a:masterClrMapping/>
+  </p:clrMapOvr>
+</p:sld>
+</file>
+
+<file path=ppt/slides/slide7.xml><?xml version="1.0" encoding="utf-8"?>
+<p:sld xmlns:a="http://schemas.openxmlformats.org/drawingml/2006/main" xmlns:r="http://schemas.openxmlformats.org/officeDocument/2006/relationships" xmlns:p="http://schemas.openxmlformats.org/presentationml/2006/main">
+  <p:cSld>
+    <p:spTree>
+      <p:nvGrpSpPr>
+        <p:cNvPr id="1" name=""/>
+        <p:cNvGrpSpPr/>
+        <p:nvPr/>
+      </p:nvGrpSpPr>
+      <p:grpSpPr>
+        <a:xfrm>
+          <a:off x="0" y="0"/>
+          <a:ext cx="0" cy="0"/>
+          <a:chOff x="0" y="0"/>
+          <a:chExt cx="0" cy="0"/>
+        </a:xfrm>
+      </p:grpSpPr>
+      <p:sp>
+        <p:nvSpPr>
+          <p:cNvPr id="2" name="Title 1"/>
+          <p:cNvSpPr>
+            <a:spLocks noGrp="1"/>
+          </p:cNvSpPr>
+          <p:nvPr>
+            <p:ph type="title"/>
+          </p:nvPr>
+        </p:nvSpPr>
+        <p:spPr/>
+        <p:txBody>
           <a:bodyPr/>
           <a:lstStyle/>
           <a:p>
@@ -4987,7 +5928,7 @@
 </p:sld>
 </file>
 
-<file path=ppt/slides/slide6.xml><?xml version="1.0" encoding="utf-8"?>
+<file path=ppt/slides/slide8.xml><?xml version="1.0" encoding="utf-8"?>
 <p:sld xmlns:a="http://schemas.openxmlformats.org/drawingml/2006/main" xmlns:r="http://schemas.openxmlformats.org/officeDocument/2006/relationships" xmlns:p="http://schemas.openxmlformats.org/presentationml/2006/main">
   <p:cSld>
     <p:spTree>
@@ -5071,7 +6012,7 @@
 </p:sld>
 </file>
 
-<file path=ppt/slides/slide7.xml><?xml version="1.0" encoding="utf-8"?>
+<file path=ppt/slides/slide9.xml><?xml version="1.0" encoding="utf-8"?>
 <p:sld xmlns:a="http://schemas.openxmlformats.org/drawingml/2006/main" xmlns:r="http://schemas.openxmlformats.org/officeDocument/2006/relationships" xmlns:p="http://schemas.openxmlformats.org/presentationml/2006/main">
   <p:cSld>
     <p:spTree>
